--- a/Presentation.pptx
+++ b/Presentation.pptx
@@ -281,7 +281,7 @@
               <a:rPr lang="fr-CH" smtClean="0">
                 <a:latin typeface="Arial" panose="020B0604020202020204" pitchFamily="34" charset="0"/>
               </a:rPr>
-              <a:t>12.12.2022</a:t>
+              <a:t>12.12.22</a:t>
             </a:fld>
             <a:endParaRPr lang="fr-CH" dirty="0">
               <a:latin typeface="Arial" panose="020B0604020202020204" pitchFamily="34" charset="0"/>
@@ -469,7 +469,7 @@
           <a:p>
             <a:fld id="{62D5A2E6-BF77-514A-A699-CC694C3BD51F}" type="datetime1">
               <a:rPr lang="fr-CH" smtClean="0"/>
-              <a:t>12.12.2022</a:t>
+              <a:t>12.12.22</a:t>
             </a:fld>
             <a:endParaRPr lang="fr-FR" dirty="0"/>
           </a:p>
@@ -821,7 +821,7 @@
           <a:p>
             <a:fld id="{34551F9A-4701-CE42-97CC-9260CE132552}" type="datetime1">
               <a:rPr lang="fr-CH" smtClean="0"/>
-              <a:t>12.12.2022</a:t>
+              <a:t>12.12.22</a:t>
             </a:fld>
             <a:endParaRPr lang="fr-FR" dirty="0"/>
           </a:p>
@@ -1003,7 +1003,7 @@
           <a:p>
             <a:fld id="{2946CD82-E649-524A-9F69-54FD129847B5}" type="datetime1">
               <a:rPr lang="fr-CH" smtClean="0"/>
-              <a:t>12.12.2022</a:t>
+              <a:t>12.12.22</a:t>
             </a:fld>
             <a:endParaRPr lang="fr-FR" dirty="0"/>
           </a:p>
@@ -1185,7 +1185,7 @@
           <a:p>
             <a:fld id="{2946CD82-E649-524A-9F69-54FD129847B5}" type="datetime1">
               <a:rPr lang="fr-CH" smtClean="0"/>
-              <a:t>12.12.2022</a:t>
+              <a:t>12.12.22</a:t>
             </a:fld>
             <a:endParaRPr lang="fr-FR" dirty="0"/>
           </a:p>
@@ -1367,7 +1367,7 @@
           <a:p>
             <a:fld id="{2946CD82-E649-524A-9F69-54FD129847B5}" type="datetime1">
               <a:rPr lang="fr-CH" smtClean="0"/>
-              <a:t>12.12.2022</a:t>
+              <a:t>12.12.22</a:t>
             </a:fld>
             <a:endParaRPr lang="fr-FR" dirty="0"/>
           </a:p>
@@ -1549,7 +1549,7 @@
           <a:p>
             <a:fld id="{2946CD82-E649-524A-9F69-54FD129847B5}" type="datetime1">
               <a:rPr lang="fr-CH" smtClean="0"/>
-              <a:t>12.12.2022</a:t>
+              <a:t>12.12.22</a:t>
             </a:fld>
             <a:endParaRPr lang="fr-FR" dirty="0"/>
           </a:p>
@@ -7334,13 +7334,15 @@
           </p:cNvPr>
           <p:cNvCxnSpPr>
             <a:cxnSpLocks/>
+            <a:stCxn id="17" idx="1"/>
+            <a:endCxn id="18" idx="5"/>
           </p:cNvCxnSpPr>
           <p:nvPr/>
         </p:nvCxnSpPr>
         <p:spPr>
           <a:xfrm flipH="1" flipV="1">
-            <a:off x="6478344" y="4098475"/>
-            <a:ext cx="162575" cy="225537"/>
+            <a:off x="6507731" y="4108443"/>
+            <a:ext cx="101490" cy="267586"/>
           </a:xfrm>
           <a:prstGeom prst="line">
             <a:avLst/>
@@ -7372,14 +7374,15 @@
           </p:cNvPr>
           <p:cNvCxnSpPr>
             <a:cxnSpLocks/>
+            <a:stCxn id="18" idx="7"/>
             <a:endCxn id="11" idx="2"/>
           </p:cNvCxnSpPr>
           <p:nvPr/>
         </p:nvCxnSpPr>
         <p:spPr>
           <a:xfrm flipV="1">
-            <a:off x="6596285" y="3805270"/>
-            <a:ext cx="494946" cy="74545"/>
+            <a:off x="6507731" y="3805270"/>
+            <a:ext cx="583500" cy="52016"/>
           </a:xfrm>
           <a:prstGeom prst="line">
             <a:avLst/>
@@ -8603,7 +8606,7 @@
           <p:nvPr>
             <p:extLst>
               <p:ext uri="{D42A27DB-BD31-4B8C-83A1-F6EECF244321}">
-                <p14:modId xmlns:p14="http://schemas.microsoft.com/office/powerpoint/2010/main" val="2134037642"/>
+                <p14:modId xmlns:p14="http://schemas.microsoft.com/office/powerpoint/2010/main" val="1072908552"/>
               </p:ext>
             </p:extLst>
           </p:nvPr>
@@ -8625,17 +8628,10 @@
                 <a:tableStyleId>{5C22544A-7EE6-4342-B048-85BDC9FD1C3A}</a:tableStyleId>
               </a:tblPr>
               <a:tblGrid>
-                <a:gridCol w="586608">
+                <a:gridCol w="1208405">
                   <a:extLst>
                     <a:ext uri="{9D8B030D-6E8A-4147-A177-3AD203B41FA5}">
                       <a16:colId xmlns:a16="http://schemas.microsoft.com/office/drawing/2014/main" val="498656244"/>
-                    </a:ext>
-                  </a:extLst>
-                </a:gridCol>
-                <a:gridCol w="621797">
-                  <a:extLst>
-                    <a:ext uri="{9D8B030D-6E8A-4147-A177-3AD203B41FA5}">
-                      <a16:colId xmlns:a16="http://schemas.microsoft.com/office/drawing/2014/main" val="4118890046"/>
                     </a:ext>
                   </a:extLst>
                 </a:gridCol>
@@ -8659,6 +8655,413 @@
                     </a:solidFill>
                   </a:tcPr>
                 </a:tc>
+                <a:extLst>
+                  <a:ext uri="{0D108BD9-81ED-4DB2-BD59-A6C34878D82A}">
+                    <a16:rowId xmlns:a16="http://schemas.microsoft.com/office/drawing/2014/main" val="1070570282"/>
+                  </a:ext>
+                </a:extLst>
+              </a:tr>
+              <a:tr h="0">
+                <a:tc>
+                  <a:txBody>
+                    <a:bodyPr/>
+                    <a:lstStyle/>
+                    <a:p>
+                      <a:pPr marL="0" marR="0" lvl="0" indent="0" algn="ctr" defTabSz="685800" rtl="0" eaLnBrk="1" fontAlgn="auto" latinLnBrk="0" hangingPunct="1">
+                        <a:lnSpc>
+                          <a:spcPct val="100000"/>
+                        </a:lnSpc>
+                        <a:spcBef>
+                          <a:spcPts val="0"/>
+                        </a:spcBef>
+                        <a:spcAft>
+                          <a:spcPts val="0"/>
+                        </a:spcAft>
+                        <a:buClrTx/>
+                        <a:buSzTx/>
+                        <a:buFontTx/>
+                        <a:buNone/>
+                        <a:tabLst/>
+                        <a:defRPr/>
+                      </a:pPr>
+                      <a:r>
+                        <a:rPr lang="es-ES_tradnl" dirty="0"/>
+                        <a:t>[x</a:t>
+                      </a:r>
+                      <a:r>
+                        <a:rPr lang="es-ES_tradnl" baseline="-25000" dirty="0"/>
+                        <a:t>2</a:t>
+                      </a:r>
+                      <a:r>
+                        <a:rPr lang="es-ES_tradnl" baseline="0" dirty="0"/>
+                        <a:t>,y</a:t>
+                      </a:r>
+                      <a:r>
+                        <a:rPr lang="es-ES_tradnl" baseline="-25000" dirty="0"/>
+                        <a:t>2</a:t>
+                      </a:r>
+                      <a:r>
+                        <a:rPr lang="es-ES_tradnl" dirty="0"/>
+                        <a:t>], [x</a:t>
+                      </a:r>
+                      <a:r>
+                        <a:rPr lang="es-ES_tradnl" baseline="-25000" dirty="0"/>
+                        <a:t>4</a:t>
+                      </a:r>
+                      <a:r>
+                        <a:rPr lang="es-ES_tradnl" baseline="0" dirty="0"/>
+                        <a:t>,y</a:t>
+                      </a:r>
+                      <a:r>
+                        <a:rPr lang="es-ES_tradnl" baseline="-25000" dirty="0"/>
+                        <a:t>4</a:t>
+                      </a:r>
+                      <a:r>
+                        <a:rPr lang="es-ES_tradnl" baseline="0" dirty="0"/>
+                        <a:t>]</a:t>
+                      </a:r>
+                      <a:endParaRPr lang="es-ES_tradnl" dirty="0"/>
+                    </a:p>
+                  </a:txBody>
+                  <a:tcPr/>
+                </a:tc>
+                <a:extLst>
+                  <a:ext uri="{0D108BD9-81ED-4DB2-BD59-A6C34878D82A}">
+                    <a16:rowId xmlns:a16="http://schemas.microsoft.com/office/drawing/2014/main" val="3066057229"/>
+                  </a:ext>
+                </a:extLst>
+              </a:tr>
+              <a:tr h="0">
+                <a:tc>
+                  <a:txBody>
+                    <a:bodyPr/>
+                    <a:lstStyle/>
+                    <a:p>
+                      <a:pPr marL="0" marR="0" lvl="0" indent="0" algn="ctr" defTabSz="685800" rtl="0" eaLnBrk="1" fontAlgn="auto" latinLnBrk="0" hangingPunct="1">
+                        <a:lnSpc>
+                          <a:spcPct val="100000"/>
+                        </a:lnSpc>
+                        <a:spcBef>
+                          <a:spcPts val="0"/>
+                        </a:spcBef>
+                        <a:spcAft>
+                          <a:spcPts val="0"/>
+                        </a:spcAft>
+                        <a:buClrTx/>
+                        <a:buSzTx/>
+                        <a:buFontTx/>
+                        <a:buNone/>
+                        <a:tabLst/>
+                        <a:defRPr/>
+                      </a:pPr>
+                      <a:r>
+                        <a:rPr lang="es-ES_tradnl" dirty="0"/>
+                        <a:t>[x</a:t>
+                      </a:r>
+                      <a:r>
+                        <a:rPr lang="es-ES_tradnl" baseline="-25000" dirty="0"/>
+                        <a:t>3</a:t>
+                      </a:r>
+                      <a:r>
+                        <a:rPr lang="es-ES_tradnl" baseline="0" dirty="0"/>
+                        <a:t>,y</a:t>
+                      </a:r>
+                      <a:r>
+                        <a:rPr lang="es-ES_tradnl" baseline="-25000" dirty="0"/>
+                        <a:t>3</a:t>
+                      </a:r>
+                      <a:r>
+                        <a:rPr lang="es-ES_tradnl" dirty="0"/>
+                        <a:t>], [x</a:t>
+                      </a:r>
+                      <a:r>
+                        <a:rPr lang="es-ES_tradnl" baseline="-25000" dirty="0"/>
+                        <a:t>5</a:t>
+                      </a:r>
+                      <a:r>
+                        <a:rPr lang="es-ES_tradnl" baseline="0" dirty="0"/>
+                        <a:t>,y</a:t>
+                      </a:r>
+                      <a:r>
+                        <a:rPr lang="es-ES_tradnl" baseline="-25000" dirty="0"/>
+                        <a:t>5</a:t>
+                      </a:r>
+                      <a:r>
+                        <a:rPr lang="es-ES_tradnl" baseline="0" dirty="0"/>
+                        <a:t>]</a:t>
+                      </a:r>
+                      <a:endParaRPr lang="es-ES_tradnl" dirty="0"/>
+                    </a:p>
+                  </a:txBody>
+                  <a:tcPr/>
+                </a:tc>
+                <a:extLst>
+                  <a:ext uri="{0D108BD9-81ED-4DB2-BD59-A6C34878D82A}">
+                    <a16:rowId xmlns:a16="http://schemas.microsoft.com/office/drawing/2014/main" val="3630737817"/>
+                  </a:ext>
+                </a:extLst>
+              </a:tr>
+              <a:tr h="321137">
+                <a:tc>
+                  <a:txBody>
+                    <a:bodyPr/>
+                    <a:lstStyle/>
+                    <a:p>
+                      <a:pPr marL="0" marR="0" lvl="0" indent="0" algn="ctr" defTabSz="685800" rtl="0" eaLnBrk="1" fontAlgn="auto" latinLnBrk="0" hangingPunct="1">
+                        <a:lnSpc>
+                          <a:spcPct val="100000"/>
+                        </a:lnSpc>
+                        <a:spcBef>
+                          <a:spcPts val="0"/>
+                        </a:spcBef>
+                        <a:spcAft>
+                          <a:spcPts val="0"/>
+                        </a:spcAft>
+                        <a:buClrTx/>
+                        <a:buSzTx/>
+                        <a:buFontTx/>
+                        <a:buNone/>
+                        <a:tabLst/>
+                        <a:defRPr/>
+                      </a:pPr>
+                      <a:r>
+                        <a:rPr lang="es-ES_tradnl" dirty="0"/>
+                        <a:t>[x</a:t>
+                      </a:r>
+                      <a:r>
+                        <a:rPr lang="es-ES_tradnl" baseline="-25000" dirty="0"/>
+                        <a:t>2</a:t>
+                      </a:r>
+                      <a:r>
+                        <a:rPr lang="es-ES_tradnl" baseline="0" dirty="0"/>
+                        <a:t>,y</a:t>
+                      </a:r>
+                      <a:r>
+                        <a:rPr lang="es-ES_tradnl" baseline="-25000" dirty="0"/>
+                        <a:t>2</a:t>
+                      </a:r>
+                      <a:r>
+                        <a:rPr lang="es-ES_tradnl" dirty="0"/>
+                        <a:t>], [x</a:t>
+                      </a:r>
+                      <a:r>
+                        <a:rPr lang="es-ES_tradnl" baseline="-25000" dirty="0"/>
+                        <a:t>1</a:t>
+                      </a:r>
+                      <a:r>
+                        <a:rPr lang="es-ES_tradnl" baseline="0" dirty="0"/>
+                        <a:t>,y</a:t>
+                      </a:r>
+                      <a:r>
+                        <a:rPr lang="es-ES_tradnl" baseline="-25000" dirty="0"/>
+                        <a:t>1</a:t>
+                      </a:r>
+                      <a:r>
+                        <a:rPr lang="es-ES_tradnl" dirty="0"/>
+                        <a:t>]</a:t>
+                      </a:r>
+                    </a:p>
+                  </a:txBody>
+                  <a:tcPr/>
+                </a:tc>
+                <a:extLst>
+                  <a:ext uri="{0D108BD9-81ED-4DB2-BD59-A6C34878D82A}">
+                    <a16:rowId xmlns:a16="http://schemas.microsoft.com/office/drawing/2014/main" val="2183446343"/>
+                  </a:ext>
+                </a:extLst>
+              </a:tr>
+              <a:tr h="0">
+                <a:tc>
+                  <a:txBody>
+                    <a:bodyPr/>
+                    <a:lstStyle/>
+                    <a:p>
+                      <a:pPr marL="0" marR="0" lvl="0" indent="0" algn="ctr" defTabSz="685800" rtl="0" eaLnBrk="1" fontAlgn="auto" latinLnBrk="0" hangingPunct="1">
+                        <a:lnSpc>
+                          <a:spcPct val="100000"/>
+                        </a:lnSpc>
+                        <a:spcBef>
+                          <a:spcPts val="0"/>
+                        </a:spcBef>
+                        <a:spcAft>
+                          <a:spcPts val="0"/>
+                        </a:spcAft>
+                        <a:buClrTx/>
+                        <a:buSzTx/>
+                        <a:buFontTx/>
+                        <a:buNone/>
+                        <a:tabLst/>
+                        <a:defRPr/>
+                      </a:pPr>
+                      <a:r>
+                        <a:rPr lang="es-ES_tradnl" dirty="0"/>
+                        <a:t>[x</a:t>
+                      </a:r>
+                      <a:r>
+                        <a:rPr lang="es-ES_tradnl" baseline="-25000" dirty="0"/>
+                        <a:t>3</a:t>
+                      </a:r>
+                      <a:r>
+                        <a:rPr lang="es-ES_tradnl" baseline="0" dirty="0"/>
+                        <a:t>,y</a:t>
+                      </a:r>
+                      <a:r>
+                        <a:rPr lang="es-ES_tradnl" baseline="-25000" dirty="0"/>
+                        <a:t>3</a:t>
+                      </a:r>
+                      <a:r>
+                        <a:rPr lang="es-ES_tradnl" baseline="0" dirty="0"/>
+                        <a:t>],</a:t>
+                      </a:r>
+                      <a:r>
+                        <a:rPr lang="es-ES_tradnl" dirty="0"/>
+                        <a:t> [x</a:t>
+                      </a:r>
+                      <a:r>
+                        <a:rPr lang="es-ES_tradnl" baseline="-25000" dirty="0"/>
+                        <a:t>1</a:t>
+                      </a:r>
+                      <a:r>
+                        <a:rPr lang="es-ES_tradnl" baseline="0" dirty="0"/>
+                        <a:t>,y</a:t>
+                      </a:r>
+                      <a:r>
+                        <a:rPr lang="es-ES_tradnl" baseline="-25000" dirty="0"/>
+                        <a:t>1</a:t>
+                      </a:r>
+                      <a:r>
+                        <a:rPr lang="es-ES_tradnl" dirty="0"/>
+                        <a:t>]</a:t>
+                      </a:r>
+                    </a:p>
+                  </a:txBody>
+                  <a:tcPr/>
+                </a:tc>
+                <a:extLst>
+                  <a:ext uri="{0D108BD9-81ED-4DB2-BD59-A6C34878D82A}">
+                    <a16:rowId xmlns:a16="http://schemas.microsoft.com/office/drawing/2014/main" val="2010562485"/>
+                  </a:ext>
+                </a:extLst>
+              </a:tr>
+              <a:tr h="0">
+                <a:tc>
+                  <a:txBody>
+                    <a:bodyPr/>
+                    <a:lstStyle/>
+                    <a:p>
+                      <a:pPr marL="0" marR="0" lvl="0" indent="0" algn="ctr" defTabSz="685800" rtl="0" eaLnBrk="1" fontAlgn="auto" latinLnBrk="0" hangingPunct="1">
+                        <a:lnSpc>
+                          <a:spcPct val="100000"/>
+                        </a:lnSpc>
+                        <a:spcBef>
+                          <a:spcPts val="0"/>
+                        </a:spcBef>
+                        <a:spcAft>
+                          <a:spcPts val="0"/>
+                        </a:spcAft>
+                        <a:buClrTx/>
+                        <a:buSzTx/>
+                        <a:buFontTx/>
+                        <a:buNone/>
+                        <a:tabLst/>
+                        <a:defRPr/>
+                      </a:pPr>
+                      <a:r>
+                        <a:rPr lang="es-ES_tradnl" dirty="0"/>
+                        <a:t>[x</a:t>
+                      </a:r>
+                      <a:r>
+                        <a:rPr lang="es-ES_tradnl" baseline="-25000" dirty="0"/>
+                        <a:t>4</a:t>
+                      </a:r>
+                      <a:r>
+                        <a:rPr lang="es-ES_tradnl" baseline="0" dirty="0"/>
+                        <a:t>,y</a:t>
+                      </a:r>
+                      <a:r>
+                        <a:rPr lang="es-ES_tradnl" baseline="-25000" dirty="0"/>
+                        <a:t>4</a:t>
+                      </a:r>
+                      <a:r>
+                        <a:rPr lang="es-ES_tradnl" dirty="0"/>
+                        <a:t>], [x</a:t>
+                      </a:r>
+                      <a:r>
+                        <a:rPr lang="es-ES_tradnl" baseline="-25000" dirty="0"/>
+                        <a:t>1</a:t>
+                      </a:r>
+                      <a:r>
+                        <a:rPr lang="es-ES_tradnl" baseline="0" dirty="0"/>
+                        <a:t>,y</a:t>
+                      </a:r>
+                      <a:r>
+                        <a:rPr lang="es-ES_tradnl" baseline="-25000" dirty="0"/>
+                        <a:t>1</a:t>
+                      </a:r>
+                      <a:r>
+                        <a:rPr lang="es-ES_tradnl" dirty="0"/>
+                        <a:t>]</a:t>
+                      </a:r>
+                    </a:p>
+                  </a:txBody>
+                  <a:tcPr/>
+                </a:tc>
+                <a:extLst>
+                  <a:ext uri="{0D108BD9-81ED-4DB2-BD59-A6C34878D82A}">
+                    <a16:rowId xmlns:a16="http://schemas.microsoft.com/office/drawing/2014/main" val="2822309671"/>
+                  </a:ext>
+                </a:extLst>
+              </a:tr>
+            </a:tbl>
+          </a:graphicData>
+        </a:graphic>
+      </p:graphicFrame>
+      <p:graphicFrame>
+        <p:nvGraphicFramePr>
+          <p:cNvPr id="69" name="Tableau 46">
+            <a:extLst>
+              <a:ext uri="{FF2B5EF4-FFF2-40B4-BE49-F238E27FC236}">
+                <a16:creationId xmlns:a16="http://schemas.microsoft.com/office/drawing/2014/main" id="{B72530DC-81A0-DC0A-FC0A-7496140AB018}"/>
+              </a:ext>
+            </a:extLst>
+          </p:cNvPr>
+          <p:cNvGraphicFramePr>
+            <a:graphicFrameLocks noGrp="1"/>
+          </p:cNvGraphicFramePr>
+          <p:nvPr>
+            <p:extLst>
+              <p:ext uri="{D42A27DB-BD31-4B8C-83A1-F6EECF244321}">
+                <p14:modId xmlns:p14="http://schemas.microsoft.com/office/powerpoint/2010/main" val="2632981311"/>
+              </p:ext>
+            </p:extLst>
+          </p:nvPr>
+        </p:nvGraphicFramePr>
+        <p:xfrm>
+          <a:off x="5325181" y="880091"/>
+          <a:ext cx="1256030" cy="1807037"/>
+        </p:xfrm>
+        <a:graphic>
+          <a:graphicData uri="http://schemas.openxmlformats.org/drawingml/2006/table">
+            <a:tbl>
+              <a:tblPr firstRow="1" bandRow="1">
+                <a:solidFill>
+                  <a:schemeClr val="accent6">
+                    <a:lumMod val="20000"/>
+                    <a:lumOff val="80000"/>
+                  </a:schemeClr>
+                </a:solidFill>
+                <a:tableStyleId>{5C22544A-7EE6-4342-B048-85BDC9FD1C3A}</a:tableStyleId>
+              </a:tblPr>
+              <a:tblGrid>
+                <a:gridCol w="1256030">
+                  <a:extLst>
+                    <a:ext uri="{9D8B030D-6E8A-4147-A177-3AD203B41FA5}">
+                      <a16:colId xmlns:a16="http://schemas.microsoft.com/office/drawing/2014/main" val="498656244"/>
+                    </a:ext>
+                  </a:extLst>
+                </a:gridCol>
+              </a:tblGrid>
+              <a:tr h="0">
                 <a:tc>
                   <a:txBody>
                     <a:bodyPr/>
@@ -8680,7 +9083,7 @@
                 </a:extLst>
               </a:tr>
               <a:tr h="0">
-                <a:tc gridSpan="2">
+                <a:tc>
                   <a:txBody>
                     <a:bodyPr/>
                     <a:lstStyle/>
@@ -8704,11 +9107,11 @@
                       </a:pPr>
                       <a:r>
                         <a:rPr lang="es-ES_tradnl" dirty="0"/>
-                        <a:t>[x</a:t>
+                        <a:t> [x</a:t>
                       </a:r>
                       <a:r>
                         <a:rPr lang="es-ES_tradnl" baseline="-25000" dirty="0"/>
-                        <a:t>2</a:t>
+                        <a:t>5</a:t>
                       </a:r>
                       <a:r>
                         <a:rPr lang="es-ES_tradnl" baseline="0" dirty="0"/>
@@ -8716,15 +9119,15 @@
                       </a:r>
                       <a:r>
                         <a:rPr lang="es-ES_tradnl" baseline="-25000" dirty="0"/>
-                        <a:t>2</a:t>
+                        <a:t>5</a:t>
                       </a:r>
                       <a:r>
                         <a:rPr lang="es-ES_tradnl" dirty="0"/>
-                        <a:t>], [x</a:t>
+                        <a:t>],[x</a:t>
                       </a:r>
                       <a:r>
                         <a:rPr lang="es-ES_tradnl" baseline="-25000" dirty="0"/>
-                        <a:t>4</a:t>
+                        <a:t>1</a:t>
                       </a:r>
                       <a:r>
                         <a:rPr lang="es-ES_tradnl" baseline="0" dirty="0"/>
@@ -8732,23 +9135,12 @@
                       </a:r>
                       <a:r>
                         <a:rPr lang="es-ES_tradnl" baseline="-25000" dirty="0"/>
-                        <a:t>4</a:t>
-                      </a:r>
-                      <a:r>
-                        <a:rPr lang="es-ES_tradnl" baseline="0" dirty="0"/>
-                        <a:t>]</a:t>
-                      </a:r>
-                      <a:endParaRPr lang="es-ES_tradnl" dirty="0"/>
-                    </a:p>
-                  </a:txBody>
-                  <a:tcPr/>
-                </a:tc>
-                <a:tc hMerge="1">
-                  <a:txBody>
-                    <a:bodyPr/>
-                    <a:lstStyle/>
-                    <a:p>
-                      <a:endParaRPr lang="es-ES_tradnl"/>
+                        <a:t>1</a:t>
+                      </a:r>
+                      <a:r>
+                        <a:rPr lang="es-ES_tradnl" dirty="0"/>
+                        <a:t>] </a:t>
+                      </a:r>
                     </a:p>
                   </a:txBody>
                   <a:tcPr/>
@@ -8760,7 +9152,7 @@
                 </a:extLst>
               </a:tr>
               <a:tr h="0">
-                <a:tc gridSpan="2">
+                <a:tc>
                   <a:txBody>
                     <a:bodyPr/>
                     <a:lstStyle/>
@@ -8804,7 +9196,7 @@
                       </a:r>
                       <a:r>
                         <a:rPr lang="es-ES_tradnl" baseline="-25000" dirty="0"/>
-                        <a:t>5</a:t>
+                        <a:t>2</a:t>
                       </a:r>
                       <a:r>
                         <a:rPr lang="es-ES_tradnl" baseline="0" dirty="0"/>
@@ -8812,23 +9204,12 @@
                       </a:r>
                       <a:r>
                         <a:rPr lang="es-ES_tradnl" baseline="-25000" dirty="0"/>
-                        <a:t>5</a:t>
-                      </a:r>
-                      <a:r>
-                        <a:rPr lang="es-ES_tradnl" baseline="0" dirty="0"/>
+                        <a:t>2</a:t>
+                      </a:r>
+                      <a:r>
+                        <a:rPr lang="es-ES_tradnl" dirty="0"/>
                         <a:t>]</a:t>
                       </a:r>
-                      <a:endParaRPr lang="es-ES_tradnl" dirty="0"/>
-                    </a:p>
-                  </a:txBody>
-                  <a:tcPr/>
-                </a:tc>
-                <a:tc hMerge="1">
-                  <a:txBody>
-                    <a:bodyPr/>
-                    <a:lstStyle/>
-                    <a:p>
-                      <a:endParaRPr lang="es-ES_tradnl"/>
                     </a:p>
                   </a:txBody>
                   <a:tcPr/>
@@ -8840,7 +9221,7 @@
                 </a:extLst>
               </a:tr>
               <a:tr h="321137">
-                <a:tc gridSpan="2">
+                <a:tc>
                   <a:txBody>
                     <a:bodyPr/>
                     <a:lstStyle/>
@@ -8868,7 +9249,7 @@
                       </a:r>
                       <a:r>
                         <a:rPr lang="es-ES_tradnl" baseline="-25000" dirty="0"/>
-                        <a:t>2</a:t>
+                        <a:t>4</a:t>
                       </a:r>
                       <a:r>
                         <a:rPr lang="es-ES_tradnl" baseline="0" dirty="0"/>
@@ -8876,15 +9257,19 @@
                       </a:r>
                       <a:r>
                         <a:rPr lang="es-ES_tradnl" baseline="-25000" dirty="0"/>
+                        <a:t>4</a:t>
+                      </a:r>
+                      <a:r>
+                        <a:rPr lang="es-ES_tradnl" baseline="0" dirty="0"/>
+                        <a:t>],</a:t>
+                      </a:r>
+                      <a:r>
+                        <a:rPr lang="es-ES_tradnl" dirty="0"/>
+                        <a:t> [x</a:t>
+                      </a:r>
+                      <a:r>
+                        <a:rPr lang="es-ES_tradnl" baseline="-25000" dirty="0"/>
                         <a:t>2</a:t>
-                      </a:r>
-                      <a:r>
-                        <a:rPr lang="es-ES_tradnl" dirty="0"/>
-                        <a:t>], [x</a:t>
-                      </a:r>
-                      <a:r>
-                        <a:rPr lang="es-ES_tradnl" baseline="-25000" dirty="0"/>
-                        <a:t>1</a:t>
                       </a:r>
                       <a:r>
                         <a:rPr lang="es-ES_tradnl" baseline="0" dirty="0"/>
@@ -8892,22 +9277,12 @@
                       </a:r>
                       <a:r>
                         <a:rPr lang="es-ES_tradnl" baseline="-25000" dirty="0"/>
-                        <a:t>1</a:t>
+                        <a:t>2</a:t>
                       </a:r>
                       <a:r>
                         <a:rPr lang="es-ES_tradnl" dirty="0"/>
                         <a:t>]</a:t>
                       </a:r>
-                    </a:p>
-                  </a:txBody>
-                  <a:tcPr/>
-                </a:tc>
-                <a:tc hMerge="1">
-                  <a:txBody>
-                    <a:bodyPr/>
-                    <a:lstStyle/>
-                    <a:p>
-                      <a:endParaRPr lang="es-ES_tradnl"/>
                     </a:p>
                   </a:txBody>
                   <a:tcPr/>
@@ -8919,7 +9294,7 @@
                 </a:extLst>
               </a:tr>
               <a:tr h="0">
-                <a:tc gridSpan="2">
+                <a:tc>
                   <a:txBody>
                     <a:bodyPr/>
                     <a:lstStyle/>
@@ -8947,7 +9322,7 @@
                       </a:r>
                       <a:r>
                         <a:rPr lang="es-ES_tradnl" baseline="-25000" dirty="0"/>
-                        <a:t>3</a:t>
+                        <a:t>5</a:t>
                       </a:r>
                       <a:r>
                         <a:rPr lang="es-ES_tradnl" baseline="0" dirty="0"/>
@@ -8955,7 +9330,7 @@
                       </a:r>
                       <a:r>
                         <a:rPr lang="es-ES_tradnl" baseline="-25000" dirty="0"/>
-                        <a:t>3</a:t>
+                        <a:t>5</a:t>
                       </a:r>
                       <a:r>
                         <a:rPr lang="es-ES_tradnl" baseline="0" dirty="0"/>
@@ -8967,7 +9342,7 @@
                       </a:r>
                       <a:r>
                         <a:rPr lang="es-ES_tradnl" baseline="-25000" dirty="0"/>
-                        <a:t>1</a:t>
+                        <a:t>3</a:t>
                       </a:r>
                       <a:r>
                         <a:rPr lang="es-ES_tradnl" baseline="0" dirty="0"/>
@@ -8975,22 +9350,12 @@
                       </a:r>
                       <a:r>
                         <a:rPr lang="es-ES_tradnl" baseline="-25000" dirty="0"/>
-                        <a:t>1</a:t>
+                        <a:t>3</a:t>
                       </a:r>
                       <a:r>
                         <a:rPr lang="es-ES_tradnl" dirty="0"/>
                         <a:t>]</a:t>
                       </a:r>
-                    </a:p>
-                  </a:txBody>
-                  <a:tcPr/>
-                </a:tc>
-                <a:tc hMerge="1">
-                  <a:txBody>
-                    <a:bodyPr/>
-                    <a:lstStyle/>
-                    <a:p>
-                      <a:endParaRPr lang="es-ES_tradnl"/>
                     </a:p>
                   </a:txBody>
                   <a:tcPr/>
@@ -9002,501 +9367,7 @@
                 </a:extLst>
               </a:tr>
               <a:tr h="0">
-                <a:tc gridSpan="2">
-                  <a:txBody>
-                    <a:bodyPr/>
-                    <a:lstStyle/>
-                    <a:p>
-                      <a:pPr marL="0" marR="0" lvl="0" indent="0" algn="ctr" defTabSz="685800" rtl="0" eaLnBrk="1" fontAlgn="auto" latinLnBrk="0" hangingPunct="1">
-                        <a:lnSpc>
-                          <a:spcPct val="100000"/>
-                        </a:lnSpc>
-                        <a:spcBef>
-                          <a:spcPts val="0"/>
-                        </a:spcBef>
-                        <a:spcAft>
-                          <a:spcPts val="0"/>
-                        </a:spcAft>
-                        <a:buClrTx/>
-                        <a:buSzTx/>
-                        <a:buFontTx/>
-                        <a:buNone/>
-                        <a:tabLst/>
-                        <a:defRPr/>
-                      </a:pPr>
-                      <a:r>
-                        <a:rPr lang="es-ES_tradnl" dirty="0"/>
-                        <a:t>[x</a:t>
-                      </a:r>
-                      <a:r>
-                        <a:rPr lang="es-ES_tradnl" baseline="-25000" dirty="0"/>
-                        <a:t>4</a:t>
-                      </a:r>
-                      <a:r>
-                        <a:rPr lang="es-ES_tradnl" baseline="0" dirty="0"/>
-                        <a:t>,y</a:t>
-                      </a:r>
-                      <a:r>
-                        <a:rPr lang="es-ES_tradnl" baseline="-25000" dirty="0"/>
-                        <a:t>4</a:t>
-                      </a:r>
-                      <a:r>
-                        <a:rPr lang="es-ES_tradnl" dirty="0"/>
-                        <a:t>], [x</a:t>
-                      </a:r>
-                      <a:r>
-                        <a:rPr lang="es-ES_tradnl" baseline="-25000" dirty="0"/>
-                        <a:t>1</a:t>
-                      </a:r>
-                      <a:r>
-                        <a:rPr lang="es-ES_tradnl" baseline="0" dirty="0"/>
-                        <a:t>,y</a:t>
-                      </a:r>
-                      <a:r>
-                        <a:rPr lang="es-ES_tradnl" baseline="-25000" dirty="0"/>
-                        <a:t>1</a:t>
-                      </a:r>
-                      <a:r>
-                        <a:rPr lang="es-ES_tradnl" dirty="0"/>
-                        <a:t>]</a:t>
-                      </a:r>
-                    </a:p>
-                  </a:txBody>
-                  <a:tcPr/>
-                </a:tc>
-                <a:tc hMerge="1">
-                  <a:txBody>
-                    <a:bodyPr/>
-                    <a:lstStyle/>
-                    <a:p>
-                      <a:endParaRPr lang="es-ES_tradnl"/>
-                    </a:p>
-                  </a:txBody>
-                  <a:tcPr/>
-                </a:tc>
-                <a:extLst>
-                  <a:ext uri="{0D108BD9-81ED-4DB2-BD59-A6C34878D82A}">
-                    <a16:rowId xmlns:a16="http://schemas.microsoft.com/office/drawing/2014/main" val="2822309671"/>
-                  </a:ext>
-                </a:extLst>
-              </a:tr>
-            </a:tbl>
-          </a:graphicData>
-        </a:graphic>
-      </p:graphicFrame>
-      <p:graphicFrame>
-        <p:nvGraphicFramePr>
-          <p:cNvPr id="69" name="Tableau 46">
-            <a:extLst>
-              <a:ext uri="{FF2B5EF4-FFF2-40B4-BE49-F238E27FC236}">
-                <a16:creationId xmlns:a16="http://schemas.microsoft.com/office/drawing/2014/main" id="{B72530DC-81A0-DC0A-FC0A-7496140AB018}"/>
-              </a:ext>
-            </a:extLst>
-          </p:cNvPr>
-          <p:cNvGraphicFramePr>
-            <a:graphicFrameLocks noGrp="1"/>
-          </p:cNvGraphicFramePr>
-          <p:nvPr>
-            <p:extLst>
-              <p:ext uri="{D42A27DB-BD31-4B8C-83A1-F6EECF244321}">
-                <p14:modId xmlns:p14="http://schemas.microsoft.com/office/powerpoint/2010/main" val="3577167483"/>
-              </p:ext>
-            </p:extLst>
-          </p:nvPr>
-        </p:nvGraphicFramePr>
-        <p:xfrm>
-          <a:off x="5325181" y="880091"/>
-          <a:ext cx="1256030" cy="1807037"/>
-        </p:xfrm>
-        <a:graphic>
-          <a:graphicData uri="http://schemas.openxmlformats.org/drawingml/2006/table">
-            <a:tbl>
-              <a:tblPr firstRow="1" bandRow="1">
-                <a:solidFill>
-                  <a:schemeClr val="accent6">
-                    <a:lumMod val="20000"/>
-                    <a:lumOff val="80000"/>
-                  </a:schemeClr>
-                </a:solidFill>
-                <a:tableStyleId>{5C22544A-7EE6-4342-B048-85BDC9FD1C3A}</a:tableStyleId>
-              </a:tblPr>
-              <a:tblGrid>
-                <a:gridCol w="654412">
-                  <a:extLst>
-                    <a:ext uri="{9D8B030D-6E8A-4147-A177-3AD203B41FA5}">
-                      <a16:colId xmlns:a16="http://schemas.microsoft.com/office/drawing/2014/main" val="498656244"/>
-                    </a:ext>
-                  </a:extLst>
-                </a:gridCol>
-                <a:gridCol w="601618">
-                  <a:extLst>
-                    <a:ext uri="{9D8B030D-6E8A-4147-A177-3AD203B41FA5}">
-                      <a16:colId xmlns:a16="http://schemas.microsoft.com/office/drawing/2014/main" val="4118890046"/>
-                    </a:ext>
-                  </a:extLst>
-                </a:gridCol>
-              </a:tblGrid>
-              <a:tr h="0">
                 <a:tc>
-                  <a:txBody>
-                    <a:bodyPr/>
-                    <a:lstStyle/>
-                    <a:p>
-                      <a:endParaRPr lang="es-ES_tradnl" dirty="0"/>
-                    </a:p>
-                  </a:txBody>
-                  <a:tcPr>
-                    <a:solidFill>
-                      <a:schemeClr val="accent1"/>
-                    </a:solidFill>
-                  </a:tcPr>
-                </a:tc>
-                <a:tc>
-                  <a:txBody>
-                    <a:bodyPr/>
-                    <a:lstStyle/>
-                    <a:p>
-                      <a:endParaRPr lang="es-ES_tradnl" dirty="0"/>
-                    </a:p>
-                  </a:txBody>
-                  <a:tcPr>
-                    <a:solidFill>
-                      <a:schemeClr val="accent1"/>
-                    </a:solidFill>
-                  </a:tcPr>
-                </a:tc>
-                <a:extLst>
-                  <a:ext uri="{0D108BD9-81ED-4DB2-BD59-A6C34878D82A}">
-                    <a16:rowId xmlns:a16="http://schemas.microsoft.com/office/drawing/2014/main" val="1070570282"/>
-                  </a:ext>
-                </a:extLst>
-              </a:tr>
-              <a:tr h="0">
-                <a:tc gridSpan="2">
-                  <a:txBody>
-                    <a:bodyPr/>
-                    <a:lstStyle/>
-                    <a:p>
-                      <a:pPr marL="0" marR="0" lvl="0" indent="0" algn="ctr" defTabSz="685800" rtl="0" eaLnBrk="1" fontAlgn="auto" latinLnBrk="0" hangingPunct="1">
-                        <a:lnSpc>
-                          <a:spcPct val="100000"/>
-                        </a:lnSpc>
-                        <a:spcBef>
-                          <a:spcPts val="0"/>
-                        </a:spcBef>
-                        <a:spcAft>
-                          <a:spcPts val="0"/>
-                        </a:spcAft>
-                        <a:buClrTx/>
-                        <a:buSzTx/>
-                        <a:buFontTx/>
-                        <a:buNone/>
-                        <a:tabLst/>
-                        <a:defRPr/>
-                      </a:pPr>
-                      <a:r>
-                        <a:rPr lang="es-ES_tradnl" dirty="0"/>
-                        <a:t> [x</a:t>
-                      </a:r>
-                      <a:r>
-                        <a:rPr lang="es-ES_tradnl" baseline="-25000" dirty="0"/>
-                        <a:t>5</a:t>
-                      </a:r>
-                      <a:r>
-                        <a:rPr lang="es-ES_tradnl" baseline="0" dirty="0"/>
-                        <a:t>,y</a:t>
-                      </a:r>
-                      <a:r>
-                        <a:rPr lang="es-ES_tradnl" baseline="-25000" dirty="0"/>
-                        <a:t>5</a:t>
-                      </a:r>
-                      <a:r>
-                        <a:rPr lang="es-ES_tradnl" dirty="0"/>
-                        <a:t>],[x</a:t>
-                      </a:r>
-                      <a:r>
-                        <a:rPr lang="es-ES_tradnl" baseline="-25000" dirty="0"/>
-                        <a:t>1</a:t>
-                      </a:r>
-                      <a:r>
-                        <a:rPr lang="es-ES_tradnl" baseline="0" dirty="0"/>
-                        <a:t>,y</a:t>
-                      </a:r>
-                      <a:r>
-                        <a:rPr lang="es-ES_tradnl" baseline="-25000" dirty="0"/>
-                        <a:t>1</a:t>
-                      </a:r>
-                      <a:r>
-                        <a:rPr lang="es-ES_tradnl" dirty="0"/>
-                        <a:t>] </a:t>
-                      </a:r>
-                    </a:p>
-                  </a:txBody>
-                  <a:tcPr/>
-                </a:tc>
-                <a:tc hMerge="1">
-                  <a:txBody>
-                    <a:bodyPr/>
-                    <a:lstStyle/>
-                    <a:p>
-                      <a:endParaRPr lang="es-ES_tradnl"/>
-                    </a:p>
-                  </a:txBody>
-                  <a:tcPr/>
-                </a:tc>
-                <a:extLst>
-                  <a:ext uri="{0D108BD9-81ED-4DB2-BD59-A6C34878D82A}">
-                    <a16:rowId xmlns:a16="http://schemas.microsoft.com/office/drawing/2014/main" val="3066057229"/>
-                  </a:ext>
-                </a:extLst>
-              </a:tr>
-              <a:tr h="0">
-                <a:tc gridSpan="2">
-                  <a:txBody>
-                    <a:bodyPr/>
-                    <a:lstStyle/>
-                    <a:p>
-                      <a:pPr marL="0" marR="0" lvl="0" indent="0" algn="ctr" defTabSz="685800" rtl="0" eaLnBrk="1" fontAlgn="auto" latinLnBrk="0" hangingPunct="1">
-                        <a:lnSpc>
-                          <a:spcPct val="100000"/>
-                        </a:lnSpc>
-                        <a:spcBef>
-                          <a:spcPts val="0"/>
-                        </a:spcBef>
-                        <a:spcAft>
-                          <a:spcPts val="0"/>
-                        </a:spcAft>
-                        <a:buClrTx/>
-                        <a:buSzTx/>
-                        <a:buFontTx/>
-                        <a:buNone/>
-                        <a:tabLst/>
-                        <a:defRPr/>
-                      </a:pPr>
-                      <a:r>
-                        <a:rPr lang="es-ES_tradnl" dirty="0"/>
-                        <a:t>[x</a:t>
-                      </a:r>
-                      <a:r>
-                        <a:rPr lang="es-ES_tradnl" baseline="-25000" dirty="0"/>
-                        <a:t>3</a:t>
-                      </a:r>
-                      <a:r>
-                        <a:rPr lang="es-ES_tradnl" baseline="0" dirty="0"/>
-                        <a:t>,y</a:t>
-                      </a:r>
-                      <a:r>
-                        <a:rPr lang="es-ES_tradnl" baseline="-25000" dirty="0"/>
-                        <a:t>3</a:t>
-                      </a:r>
-                      <a:r>
-                        <a:rPr lang="es-ES_tradnl" dirty="0"/>
-                        <a:t>], [x</a:t>
-                      </a:r>
-                      <a:r>
-                        <a:rPr lang="es-ES_tradnl" baseline="-25000" dirty="0"/>
-                        <a:t>2</a:t>
-                      </a:r>
-                      <a:r>
-                        <a:rPr lang="es-ES_tradnl" baseline="0" dirty="0"/>
-                        <a:t>,y</a:t>
-                      </a:r>
-                      <a:r>
-                        <a:rPr lang="es-ES_tradnl" baseline="-25000" dirty="0"/>
-                        <a:t>2</a:t>
-                      </a:r>
-                      <a:r>
-                        <a:rPr lang="es-ES_tradnl" dirty="0"/>
-                        <a:t>]</a:t>
-                      </a:r>
-                    </a:p>
-                  </a:txBody>
-                  <a:tcPr/>
-                </a:tc>
-                <a:tc hMerge="1">
-                  <a:txBody>
-                    <a:bodyPr/>
-                    <a:lstStyle/>
-                    <a:p>
-                      <a:endParaRPr lang="es-ES_tradnl"/>
-                    </a:p>
-                  </a:txBody>
-                  <a:tcPr/>
-                </a:tc>
-                <a:extLst>
-                  <a:ext uri="{0D108BD9-81ED-4DB2-BD59-A6C34878D82A}">
-                    <a16:rowId xmlns:a16="http://schemas.microsoft.com/office/drawing/2014/main" val="3630737817"/>
-                  </a:ext>
-                </a:extLst>
-              </a:tr>
-              <a:tr h="321137">
-                <a:tc gridSpan="2">
-                  <a:txBody>
-                    <a:bodyPr/>
-                    <a:lstStyle/>
-                    <a:p>
-                      <a:pPr marL="0" marR="0" lvl="0" indent="0" algn="ctr" defTabSz="685800" rtl="0" eaLnBrk="1" fontAlgn="auto" latinLnBrk="0" hangingPunct="1">
-                        <a:lnSpc>
-                          <a:spcPct val="100000"/>
-                        </a:lnSpc>
-                        <a:spcBef>
-                          <a:spcPts val="0"/>
-                        </a:spcBef>
-                        <a:spcAft>
-                          <a:spcPts val="0"/>
-                        </a:spcAft>
-                        <a:buClrTx/>
-                        <a:buSzTx/>
-                        <a:buFontTx/>
-                        <a:buNone/>
-                        <a:tabLst/>
-                        <a:defRPr/>
-                      </a:pPr>
-                      <a:r>
-                        <a:rPr lang="es-ES_tradnl" dirty="0"/>
-                        <a:t>[x</a:t>
-                      </a:r>
-                      <a:r>
-                        <a:rPr lang="es-ES_tradnl" baseline="-25000" dirty="0"/>
-                        <a:t>4</a:t>
-                      </a:r>
-                      <a:r>
-                        <a:rPr lang="es-ES_tradnl" baseline="0" dirty="0"/>
-                        <a:t>,y</a:t>
-                      </a:r>
-                      <a:r>
-                        <a:rPr lang="es-ES_tradnl" baseline="-25000" dirty="0"/>
-                        <a:t>4</a:t>
-                      </a:r>
-                      <a:r>
-                        <a:rPr lang="es-ES_tradnl" baseline="0" dirty="0"/>
-                        <a:t>],</a:t>
-                      </a:r>
-                      <a:r>
-                        <a:rPr lang="es-ES_tradnl" dirty="0"/>
-                        <a:t> [x</a:t>
-                      </a:r>
-                      <a:r>
-                        <a:rPr lang="es-ES_tradnl" baseline="-25000" dirty="0"/>
-                        <a:t>2</a:t>
-                      </a:r>
-                      <a:r>
-                        <a:rPr lang="es-ES_tradnl" baseline="0" dirty="0"/>
-                        <a:t>,y</a:t>
-                      </a:r>
-                      <a:r>
-                        <a:rPr lang="es-ES_tradnl" baseline="-25000" dirty="0"/>
-                        <a:t>2</a:t>
-                      </a:r>
-                      <a:r>
-                        <a:rPr lang="es-ES_tradnl" dirty="0"/>
-                        <a:t>]</a:t>
-                      </a:r>
-                    </a:p>
-                  </a:txBody>
-                  <a:tcPr/>
-                </a:tc>
-                <a:tc hMerge="1">
-                  <a:txBody>
-                    <a:bodyPr/>
-                    <a:lstStyle/>
-                    <a:p>
-                      <a:endParaRPr lang="es-ES_tradnl"/>
-                    </a:p>
-                  </a:txBody>
-                  <a:tcPr/>
-                </a:tc>
-                <a:extLst>
-                  <a:ext uri="{0D108BD9-81ED-4DB2-BD59-A6C34878D82A}">
-                    <a16:rowId xmlns:a16="http://schemas.microsoft.com/office/drawing/2014/main" val="2183446343"/>
-                  </a:ext>
-                </a:extLst>
-              </a:tr>
-              <a:tr h="0">
-                <a:tc gridSpan="2">
-                  <a:txBody>
-                    <a:bodyPr/>
-                    <a:lstStyle/>
-                    <a:p>
-                      <a:pPr marL="0" marR="0" lvl="0" indent="0" algn="ctr" defTabSz="685800" rtl="0" eaLnBrk="1" fontAlgn="auto" latinLnBrk="0" hangingPunct="1">
-                        <a:lnSpc>
-                          <a:spcPct val="100000"/>
-                        </a:lnSpc>
-                        <a:spcBef>
-                          <a:spcPts val="0"/>
-                        </a:spcBef>
-                        <a:spcAft>
-                          <a:spcPts val="0"/>
-                        </a:spcAft>
-                        <a:buClrTx/>
-                        <a:buSzTx/>
-                        <a:buFontTx/>
-                        <a:buNone/>
-                        <a:tabLst/>
-                        <a:defRPr/>
-                      </a:pPr>
-                      <a:r>
-                        <a:rPr lang="es-ES_tradnl" dirty="0"/>
-                        <a:t>[x</a:t>
-                      </a:r>
-                      <a:r>
-                        <a:rPr lang="es-ES_tradnl" baseline="-25000" dirty="0"/>
-                        <a:t>5</a:t>
-                      </a:r>
-                      <a:r>
-                        <a:rPr lang="es-ES_tradnl" baseline="0" dirty="0"/>
-                        <a:t>,y</a:t>
-                      </a:r>
-                      <a:r>
-                        <a:rPr lang="es-ES_tradnl" baseline="-25000" dirty="0"/>
-                        <a:t>5</a:t>
-                      </a:r>
-                      <a:r>
-                        <a:rPr lang="es-ES_tradnl" baseline="0" dirty="0"/>
-                        <a:t>],</a:t>
-                      </a:r>
-                      <a:r>
-                        <a:rPr lang="es-ES_tradnl" dirty="0"/>
-                        <a:t> [x</a:t>
-                      </a:r>
-                      <a:r>
-                        <a:rPr lang="es-ES_tradnl" baseline="-25000" dirty="0"/>
-                        <a:t>3</a:t>
-                      </a:r>
-                      <a:r>
-                        <a:rPr lang="es-ES_tradnl" baseline="0" dirty="0"/>
-                        <a:t>,y</a:t>
-                      </a:r>
-                      <a:r>
-                        <a:rPr lang="es-ES_tradnl" baseline="-25000" dirty="0"/>
-                        <a:t>3</a:t>
-                      </a:r>
-                      <a:r>
-                        <a:rPr lang="es-ES_tradnl" dirty="0"/>
-                        <a:t>]</a:t>
-                      </a:r>
-                    </a:p>
-                  </a:txBody>
-                  <a:tcPr/>
-                </a:tc>
-                <a:tc hMerge="1">
-                  <a:txBody>
-                    <a:bodyPr/>
-                    <a:lstStyle/>
-                    <a:p>
-                      <a:endParaRPr lang="es-ES_tradnl"/>
-                    </a:p>
-                  </a:txBody>
-                  <a:tcPr/>
-                </a:tc>
-                <a:extLst>
-                  <a:ext uri="{0D108BD9-81ED-4DB2-BD59-A6C34878D82A}">
-                    <a16:rowId xmlns:a16="http://schemas.microsoft.com/office/drawing/2014/main" val="2010562485"/>
-                  </a:ext>
-                </a:extLst>
-              </a:tr>
-              <a:tr h="0">
-                <a:tc gridSpan="2">
                   <a:txBody>
                     <a:bodyPr/>
                     <a:lstStyle/>
@@ -9526,16 +9397,6 @@
                       <a:schemeClr val="bg1"/>
                     </a:solidFill>
                   </a:tcPr>
-                </a:tc>
-                <a:tc hMerge="1">
-                  <a:txBody>
-                    <a:bodyPr/>
-                    <a:lstStyle/>
-                    <a:p>
-                      <a:endParaRPr lang="es-ES_tradnl"/>
-                    </a:p>
-                  </a:txBody>
-                  <a:tcPr/>
                 </a:tc>
                 <a:extLst>
                   <a:ext uri="{0D108BD9-81ED-4DB2-BD59-A6C34878D82A}">
@@ -10810,13 +10671,15 @@
           </p:cNvPr>
           <p:cNvCxnSpPr>
             <a:cxnSpLocks/>
+            <a:stCxn id="17" idx="1"/>
+            <a:endCxn id="18" idx="5"/>
           </p:cNvCxnSpPr>
           <p:nvPr/>
         </p:nvCxnSpPr>
         <p:spPr>
           <a:xfrm flipH="1" flipV="1">
-            <a:off x="6478344" y="4098475"/>
-            <a:ext cx="162575" cy="225537"/>
+            <a:off x="6507731" y="4108443"/>
+            <a:ext cx="101490" cy="267586"/>
           </a:xfrm>
           <a:prstGeom prst="line">
             <a:avLst/>
@@ -10848,14 +10711,15 @@
           </p:cNvPr>
           <p:cNvCxnSpPr>
             <a:cxnSpLocks/>
+            <a:stCxn id="18" idx="7"/>
             <a:endCxn id="11" idx="2"/>
           </p:cNvCxnSpPr>
           <p:nvPr/>
         </p:nvCxnSpPr>
         <p:spPr>
           <a:xfrm flipV="1">
-            <a:off x="6596285" y="3805270"/>
-            <a:ext cx="494946" cy="74545"/>
+            <a:off x="6507731" y="3805270"/>
+            <a:ext cx="583500" cy="52016"/>
           </a:xfrm>
           <a:prstGeom prst="line">
             <a:avLst/>
@@ -11660,7 +11524,13 @@
           <p:cNvGraphicFramePr>
             <a:graphicFrameLocks noGrp="1"/>
           </p:cNvGraphicFramePr>
-          <p:nvPr/>
+          <p:nvPr>
+            <p:extLst>
+              <p:ext uri="{D42A27DB-BD31-4B8C-83A1-F6EECF244321}">
+                <p14:modId xmlns:p14="http://schemas.microsoft.com/office/powerpoint/2010/main" val="335398591"/>
+              </p:ext>
+            </p:extLst>
+          </p:nvPr>
         </p:nvGraphicFramePr>
         <p:xfrm>
           <a:off x="2859147" y="880091"/>
@@ -11886,7 +11756,7 @@
                       </a:r>
                       <a:r>
                         <a:rPr lang="es-ES_tradnl" baseline="-25000" dirty="0"/>
-                        <a:t>4</a:t>
+                        <a:t>5</a:t>
                       </a:r>
                       <a:r>
                         <a:rPr lang="es-ES_tradnl" baseline="0" dirty="0"/>
@@ -11894,7 +11764,7 @@
                       </a:r>
                       <a:r>
                         <a:rPr lang="es-ES_tradnl" baseline="-25000" dirty="0"/>
-                        <a:t>4</a:t>
+                        <a:t>5</a:t>
                       </a:r>
                       <a:r>
                         <a:rPr lang="es-ES_tradnl" dirty="0"/>
@@ -11939,7 +11809,7 @@
                       </a:r>
                       <a:r>
                         <a:rPr lang="es-ES_tradnl" baseline="-25000" dirty="0"/>
-                        <a:t>1</a:t>
+                        <a:t>2</a:t>
                       </a:r>
                       <a:r>
                         <a:rPr lang="es-ES_tradnl" baseline="0" dirty="0"/>
@@ -11947,7 +11817,7 @@
                       </a:r>
                       <a:r>
                         <a:rPr lang="es-ES_tradnl" baseline="-25000" dirty="0"/>
-                        <a:t>1</a:t>
+                        <a:t>2</a:t>
                       </a:r>
                       <a:r>
                         <a:rPr lang="es-ES_tradnl" dirty="0"/>
@@ -11955,7 +11825,7 @@
                       </a:r>
                       <a:r>
                         <a:rPr lang="es-ES_tradnl" baseline="-25000" dirty="0"/>
-                        <a:t>5</a:t>
+                        <a:t>3</a:t>
                       </a:r>
                       <a:r>
                         <a:rPr lang="es-ES_tradnl" baseline="0" dirty="0"/>
@@ -11963,7 +11833,7 @@
                       </a:r>
                       <a:r>
                         <a:rPr lang="es-ES_tradnl" baseline="-25000" dirty="0"/>
-                        <a:t>5</a:t>
+                        <a:t>3</a:t>
                       </a:r>
                       <a:r>
                         <a:rPr lang="es-ES_tradnl" dirty="0"/>
@@ -12008,7 +11878,7 @@
                       </a:r>
                       <a:r>
                         <a:rPr lang="es-ES_tradnl" baseline="-25000" dirty="0"/>
-                        <a:t>2</a:t>
+                        <a:t>3</a:t>
                       </a:r>
                       <a:r>
                         <a:rPr lang="es-ES_tradnl" baseline="0" dirty="0"/>
@@ -12016,7 +11886,7 @@
                       </a:r>
                       <a:r>
                         <a:rPr lang="es-ES_tradnl" baseline="-25000" dirty="0"/>
-                        <a:t>2</a:t>
+                        <a:t>3</a:t>
                       </a:r>
                       <a:r>
                         <a:rPr lang="es-ES_tradnl" dirty="0"/>
@@ -12024,7 +11894,7 @@
                       </a:r>
                       <a:r>
                         <a:rPr lang="es-ES_tradnl" baseline="-25000" dirty="0"/>
-                        <a:t>3</a:t>
+                        <a:t>5</a:t>
                       </a:r>
                       <a:r>
                         <a:rPr lang="es-ES_tradnl" baseline="0" dirty="0"/>
@@ -12032,12 +11902,13 @@
                       </a:r>
                       <a:r>
                         <a:rPr lang="es-ES_tradnl" baseline="-25000" dirty="0"/>
-                        <a:t>3</a:t>
-                      </a:r>
-                      <a:r>
-                        <a:rPr lang="es-ES_tradnl" dirty="0"/>
+                        <a:t>5</a:t>
+                      </a:r>
+                      <a:r>
+                        <a:rPr lang="es-ES_tradnl" baseline="0" dirty="0"/>
                         <a:t>]</a:t>
                       </a:r>
+                      <a:endParaRPr lang="es-ES_tradnl" dirty="0"/>
                     </a:p>
                   </a:txBody>
                   <a:tcPr/>
@@ -12064,7 +11935,13 @@
           <p:cNvGraphicFramePr>
             <a:graphicFrameLocks noGrp="1"/>
           </p:cNvGraphicFramePr>
-          <p:nvPr/>
+          <p:nvPr>
+            <p:extLst>
+              <p:ext uri="{D42A27DB-BD31-4B8C-83A1-F6EECF244321}">
+                <p14:modId xmlns:p14="http://schemas.microsoft.com/office/powerpoint/2010/main" val="4001688981"/>
+              </p:ext>
+            </p:extLst>
+          </p:nvPr>
         </p:nvGraphicFramePr>
         <p:xfrm>
           <a:off x="4094543" y="880091"/>
@@ -12083,17 +11960,10 @@
                 <a:tableStyleId>{5C22544A-7EE6-4342-B048-85BDC9FD1C3A}</a:tableStyleId>
               </a:tblPr>
               <a:tblGrid>
-                <a:gridCol w="586608">
+                <a:gridCol w="1208405">
                   <a:extLst>
                     <a:ext uri="{9D8B030D-6E8A-4147-A177-3AD203B41FA5}">
                       <a16:colId xmlns:a16="http://schemas.microsoft.com/office/drawing/2014/main" val="498656244"/>
-                    </a:ext>
-                  </a:extLst>
-                </a:gridCol>
-                <a:gridCol w="621797">
-                  <a:extLst>
-                    <a:ext uri="{9D8B030D-6E8A-4147-A177-3AD203B41FA5}">
-                      <a16:colId xmlns:a16="http://schemas.microsoft.com/office/drawing/2014/main" val="4118890046"/>
                     </a:ext>
                   </a:extLst>
                 </a:gridCol>
@@ -12117,20 +11987,6 @@
                     </a:solidFill>
                   </a:tcPr>
                 </a:tc>
-                <a:tc>
-                  <a:txBody>
-                    <a:bodyPr/>
-                    <a:lstStyle/>
-                    <a:p>
-                      <a:endParaRPr lang="es-ES_tradnl" dirty="0"/>
-                    </a:p>
-                  </a:txBody>
-                  <a:tcPr>
-                    <a:solidFill>
-                      <a:schemeClr val="accent1"/>
-                    </a:solidFill>
-                  </a:tcPr>
-                </a:tc>
                 <a:extLst>
                   <a:ext uri="{0D108BD9-81ED-4DB2-BD59-A6C34878D82A}">
                     <a16:rowId xmlns:a16="http://schemas.microsoft.com/office/drawing/2014/main" val="1070570282"/>
@@ -12138,7 +11994,7 @@
                 </a:extLst>
               </a:tr>
               <a:tr h="0">
-                <a:tc gridSpan="2">
+                <a:tc>
                   <a:txBody>
                     <a:bodyPr/>
                     <a:lstStyle/>
@@ -12182,7 +12038,7 @@
                       </a:r>
                       <a:r>
                         <a:rPr lang="es-ES_tradnl" baseline="-25000" dirty="0"/>
-                        <a:t>4</a:t>
+                        <a:t>1</a:t>
                       </a:r>
                       <a:r>
                         <a:rPr lang="es-ES_tradnl" baseline="0" dirty="0"/>
@@ -12190,23 +12046,12 @@
                       </a:r>
                       <a:r>
                         <a:rPr lang="es-ES_tradnl" baseline="-25000" dirty="0"/>
-                        <a:t>4</a:t>
-                      </a:r>
-                      <a:r>
-                        <a:rPr lang="es-ES_tradnl" baseline="0" dirty="0"/>
+                        <a:t>1</a:t>
+                      </a:r>
+                      <a:r>
+                        <a:rPr lang="es-ES_tradnl" dirty="0"/>
                         <a:t>]</a:t>
                       </a:r>
-                      <a:endParaRPr lang="es-ES_tradnl" dirty="0"/>
-                    </a:p>
-                  </a:txBody>
-                  <a:tcPr/>
-                </a:tc>
-                <a:tc hMerge="1">
-                  <a:txBody>
-                    <a:bodyPr/>
-                    <a:lstStyle/>
-                    <a:p>
-                      <a:endParaRPr lang="es-ES_tradnl"/>
                     </a:p>
                   </a:txBody>
                   <a:tcPr/>
@@ -12218,7 +12063,7 @@
                 </a:extLst>
               </a:tr>
               <a:tr h="0">
-                <a:tc gridSpan="2">
+                <a:tc>
                   <a:txBody>
                     <a:bodyPr/>
                     <a:lstStyle/>
@@ -12257,12 +12102,16 @@
                         <a:t>3</a:t>
                       </a:r>
                       <a:r>
+                        <a:rPr lang="es-ES_tradnl" baseline="0" dirty="0"/>
+                        <a:t>],</a:t>
+                      </a:r>
+                      <a:r>
                         <a:rPr lang="es-ES_tradnl" dirty="0"/>
-                        <a:t>], [x</a:t>
+                        <a:t> [x</a:t>
                       </a:r>
                       <a:r>
                         <a:rPr lang="es-ES_tradnl" baseline="-25000" dirty="0"/>
-                        <a:t>5</a:t>
+                        <a:t>1</a:t>
                       </a:r>
                       <a:r>
                         <a:rPr lang="es-ES_tradnl" baseline="0" dirty="0"/>
@@ -12270,23 +12119,12 @@
                       </a:r>
                       <a:r>
                         <a:rPr lang="es-ES_tradnl" baseline="-25000" dirty="0"/>
-                        <a:t>5</a:t>
-                      </a:r>
-                      <a:r>
-                        <a:rPr lang="es-ES_tradnl" baseline="0" dirty="0"/>
+                        <a:t>1</a:t>
+                      </a:r>
+                      <a:r>
+                        <a:rPr lang="es-ES_tradnl" dirty="0"/>
                         <a:t>]</a:t>
                       </a:r>
-                      <a:endParaRPr lang="es-ES_tradnl" dirty="0"/>
-                    </a:p>
-                  </a:txBody>
-                  <a:tcPr/>
-                </a:tc>
-                <a:tc hMerge="1">
-                  <a:txBody>
-                    <a:bodyPr/>
-                    <a:lstStyle/>
-                    <a:p>
-                      <a:endParaRPr lang="es-ES_tradnl"/>
                     </a:p>
                   </a:txBody>
                   <a:tcPr/>
@@ -12298,7 +12136,7 @@
                 </a:extLst>
               </a:tr>
               <a:tr h="321137">
-                <a:tc gridSpan="2">
+                <a:tc>
                   <a:txBody>
                     <a:bodyPr/>
                     <a:lstStyle/>
@@ -12322,11 +12160,11 @@
                       </a:pPr>
                       <a:r>
                         <a:rPr lang="es-ES_tradnl" dirty="0"/>
-                        <a:t>[x</a:t>
+                        <a:t> [x</a:t>
                       </a:r>
                       <a:r>
                         <a:rPr lang="es-ES_tradnl" baseline="-25000" dirty="0"/>
-                        <a:t>2</a:t>
+                        <a:t>5</a:t>
                       </a:r>
                       <a:r>
                         <a:rPr lang="es-ES_tradnl" baseline="0" dirty="0"/>
@@ -12334,11 +12172,11 @@
                       </a:r>
                       <a:r>
                         <a:rPr lang="es-ES_tradnl" baseline="-25000" dirty="0"/>
-                        <a:t>2</a:t>
+                        <a:t>5</a:t>
                       </a:r>
                       <a:r>
                         <a:rPr lang="es-ES_tradnl" dirty="0"/>
-                        <a:t>], [x</a:t>
+                        <a:t>],[x</a:t>
                       </a:r>
                       <a:r>
                         <a:rPr lang="es-ES_tradnl" baseline="-25000" dirty="0"/>
@@ -12354,18 +12192,8 @@
                       </a:r>
                       <a:r>
                         <a:rPr lang="es-ES_tradnl" dirty="0"/>
-                        <a:t>]</a:t>
-                      </a:r>
-                    </a:p>
-                  </a:txBody>
-                  <a:tcPr/>
-                </a:tc>
-                <a:tc hMerge="1">
-                  <a:txBody>
-                    <a:bodyPr/>
-                    <a:lstStyle/>
-                    <a:p>
-                      <a:endParaRPr lang="es-ES_tradnl"/>
+                        <a:t>] </a:t>
+                      </a:r>
                     </a:p>
                   </a:txBody>
                   <a:tcPr/>
@@ -12377,7 +12205,7 @@
                 </a:extLst>
               </a:tr>
               <a:tr h="0">
-                <a:tc gridSpan="2">
+                <a:tc>
                   <a:txBody>
                     <a:bodyPr/>
                     <a:lstStyle/>
@@ -12416,16 +12244,12 @@
                         <a:t>3</a:t>
                       </a:r>
                       <a:r>
-                        <a:rPr lang="es-ES_tradnl" baseline="0" dirty="0"/>
-                        <a:t>],</a:t>
-                      </a:r>
-                      <a:r>
                         <a:rPr lang="es-ES_tradnl" dirty="0"/>
-                        <a:t> [x</a:t>
+                        <a:t>], [x</a:t>
                       </a:r>
                       <a:r>
                         <a:rPr lang="es-ES_tradnl" baseline="-25000" dirty="0"/>
-                        <a:t>1</a:t>
+                        <a:t>2</a:t>
                       </a:r>
                       <a:r>
                         <a:rPr lang="es-ES_tradnl" baseline="0" dirty="0"/>
@@ -12433,22 +12257,12 @@
                       </a:r>
                       <a:r>
                         <a:rPr lang="es-ES_tradnl" baseline="-25000" dirty="0"/>
-                        <a:t>1</a:t>
+                        <a:t>2</a:t>
                       </a:r>
                       <a:r>
                         <a:rPr lang="es-ES_tradnl" dirty="0"/>
                         <a:t>]</a:t>
                       </a:r>
-                    </a:p>
-                  </a:txBody>
-                  <a:tcPr/>
-                </a:tc>
-                <a:tc hMerge="1">
-                  <a:txBody>
-                    <a:bodyPr/>
-                    <a:lstStyle/>
-                    <a:p>
-                      <a:endParaRPr lang="es-ES_tradnl"/>
                     </a:p>
                   </a:txBody>
                   <a:tcPr/>
@@ -12460,7 +12274,7 @@
                 </a:extLst>
               </a:tr>
               <a:tr h="0">
-                <a:tc gridSpan="2">
+                <a:tc>
                   <a:txBody>
                     <a:bodyPr/>
                     <a:lstStyle/>
@@ -12488,7 +12302,7 @@
                       </a:r>
                       <a:r>
                         <a:rPr lang="es-ES_tradnl" baseline="-25000" dirty="0"/>
-                        <a:t>4</a:t>
+                        <a:t>5</a:t>
                       </a:r>
                       <a:r>
                         <a:rPr lang="es-ES_tradnl" baseline="0" dirty="0"/>
@@ -12496,15 +12310,19 @@
                       </a:r>
                       <a:r>
                         <a:rPr lang="es-ES_tradnl" baseline="-25000" dirty="0"/>
-                        <a:t>4</a:t>
+                        <a:t>5</a:t>
+                      </a:r>
+                      <a:r>
+                        <a:rPr lang="es-ES_tradnl" baseline="0" dirty="0"/>
+                        <a:t>],</a:t>
                       </a:r>
                       <a:r>
                         <a:rPr lang="es-ES_tradnl" dirty="0"/>
-                        <a:t>], [x</a:t>
+                        <a:t> [x</a:t>
                       </a:r>
                       <a:r>
                         <a:rPr lang="es-ES_tradnl" baseline="-25000" dirty="0"/>
-                        <a:t>1</a:t>
+                        <a:t>3</a:t>
                       </a:r>
                       <a:r>
                         <a:rPr lang="es-ES_tradnl" baseline="0" dirty="0"/>
@@ -12512,479 +12330,12 @@
                       </a:r>
                       <a:r>
                         <a:rPr lang="es-ES_tradnl" baseline="-25000" dirty="0"/>
-                        <a:t>1</a:t>
+                        <a:t>3</a:t>
                       </a:r>
                       <a:r>
                         <a:rPr lang="es-ES_tradnl" dirty="0"/>
                         <a:t>]</a:t>
                       </a:r>
-                    </a:p>
-                  </a:txBody>
-                  <a:tcPr/>
-                </a:tc>
-                <a:tc hMerge="1">
-                  <a:txBody>
-                    <a:bodyPr/>
-                    <a:lstStyle/>
-                    <a:p>
-                      <a:endParaRPr lang="es-ES_tradnl"/>
-                    </a:p>
-                  </a:txBody>
-                  <a:tcPr/>
-                </a:tc>
-                <a:extLst>
-                  <a:ext uri="{0D108BD9-81ED-4DB2-BD59-A6C34878D82A}">
-                    <a16:rowId xmlns:a16="http://schemas.microsoft.com/office/drawing/2014/main" val="2822309671"/>
-                  </a:ext>
-                </a:extLst>
-              </a:tr>
-            </a:tbl>
-          </a:graphicData>
-        </a:graphic>
-      </p:graphicFrame>
-      <p:graphicFrame>
-        <p:nvGraphicFramePr>
-          <p:cNvPr id="69" name="Tableau 46">
-            <a:extLst>
-              <a:ext uri="{FF2B5EF4-FFF2-40B4-BE49-F238E27FC236}">
-                <a16:creationId xmlns:a16="http://schemas.microsoft.com/office/drawing/2014/main" id="{B72530DC-81A0-DC0A-FC0A-7496140AB018}"/>
-              </a:ext>
-            </a:extLst>
-          </p:cNvPr>
-          <p:cNvGraphicFramePr>
-            <a:graphicFrameLocks noGrp="1"/>
-          </p:cNvGraphicFramePr>
-          <p:nvPr/>
-        </p:nvGraphicFramePr>
-        <p:xfrm>
-          <a:off x="5325181" y="880091"/>
-          <a:ext cx="1256030" cy="1807037"/>
-        </p:xfrm>
-        <a:graphic>
-          <a:graphicData uri="http://schemas.openxmlformats.org/drawingml/2006/table">
-            <a:tbl>
-              <a:tblPr firstRow="1" bandRow="1">
-                <a:solidFill>
-                  <a:schemeClr val="accent6">
-                    <a:lumMod val="20000"/>
-                    <a:lumOff val="80000"/>
-                  </a:schemeClr>
-                </a:solidFill>
-                <a:tableStyleId>{5C22544A-7EE6-4342-B048-85BDC9FD1C3A}</a:tableStyleId>
-              </a:tblPr>
-              <a:tblGrid>
-                <a:gridCol w="654412">
-                  <a:extLst>
-                    <a:ext uri="{9D8B030D-6E8A-4147-A177-3AD203B41FA5}">
-                      <a16:colId xmlns:a16="http://schemas.microsoft.com/office/drawing/2014/main" val="498656244"/>
-                    </a:ext>
-                  </a:extLst>
-                </a:gridCol>
-                <a:gridCol w="601618">
-                  <a:extLst>
-                    <a:ext uri="{9D8B030D-6E8A-4147-A177-3AD203B41FA5}">
-                      <a16:colId xmlns:a16="http://schemas.microsoft.com/office/drawing/2014/main" val="4118890046"/>
-                    </a:ext>
-                  </a:extLst>
-                </a:gridCol>
-              </a:tblGrid>
-              <a:tr h="0">
-                <a:tc>
-                  <a:txBody>
-                    <a:bodyPr/>
-                    <a:lstStyle/>
-                    <a:p>
-                      <a:endParaRPr lang="es-ES_tradnl" dirty="0"/>
-                    </a:p>
-                  </a:txBody>
-                  <a:tcPr>
-                    <a:solidFill>
-                      <a:schemeClr val="accent1"/>
-                    </a:solidFill>
-                  </a:tcPr>
-                </a:tc>
-                <a:tc>
-                  <a:txBody>
-                    <a:bodyPr/>
-                    <a:lstStyle/>
-                    <a:p>
-                      <a:endParaRPr lang="es-ES_tradnl" dirty="0"/>
-                    </a:p>
-                  </a:txBody>
-                  <a:tcPr>
-                    <a:solidFill>
-                      <a:schemeClr val="accent1"/>
-                    </a:solidFill>
-                  </a:tcPr>
-                </a:tc>
-                <a:extLst>
-                  <a:ext uri="{0D108BD9-81ED-4DB2-BD59-A6C34878D82A}">
-                    <a16:rowId xmlns:a16="http://schemas.microsoft.com/office/drawing/2014/main" val="1070570282"/>
-                  </a:ext>
-                </a:extLst>
-              </a:tr>
-              <a:tr h="0">
-                <a:tc gridSpan="2">
-                  <a:txBody>
-                    <a:bodyPr/>
-                    <a:lstStyle/>
-                    <a:p>
-                      <a:pPr marL="0" marR="0" lvl="0" indent="0" algn="ctr" defTabSz="685800" rtl="0" eaLnBrk="1" fontAlgn="auto" latinLnBrk="0" hangingPunct="1">
-                        <a:lnSpc>
-                          <a:spcPct val="100000"/>
-                        </a:lnSpc>
-                        <a:spcBef>
-                          <a:spcPts val="0"/>
-                        </a:spcBef>
-                        <a:spcAft>
-                          <a:spcPts val="0"/>
-                        </a:spcAft>
-                        <a:buClrTx/>
-                        <a:buSzTx/>
-                        <a:buFontTx/>
-                        <a:buNone/>
-                        <a:tabLst/>
-                        <a:defRPr/>
-                      </a:pPr>
-                      <a:r>
-                        <a:rPr lang="es-ES_tradnl" dirty="0"/>
-                        <a:t> [x</a:t>
-                      </a:r>
-                      <a:r>
-                        <a:rPr lang="es-ES_tradnl" baseline="-25000" dirty="0"/>
-                        <a:t>5</a:t>
-                      </a:r>
-                      <a:r>
-                        <a:rPr lang="es-ES_tradnl" baseline="0" dirty="0"/>
-                        <a:t>,y</a:t>
-                      </a:r>
-                      <a:r>
-                        <a:rPr lang="es-ES_tradnl" baseline="-25000" dirty="0"/>
-                        <a:t>5</a:t>
-                      </a:r>
-                      <a:r>
-                        <a:rPr lang="es-ES_tradnl" dirty="0"/>
-                        <a:t>],[x</a:t>
-                      </a:r>
-                      <a:r>
-                        <a:rPr lang="es-ES_tradnl" baseline="-25000" dirty="0"/>
-                        <a:t>1</a:t>
-                      </a:r>
-                      <a:r>
-                        <a:rPr lang="es-ES_tradnl" baseline="0" dirty="0"/>
-                        <a:t>,y</a:t>
-                      </a:r>
-                      <a:r>
-                        <a:rPr lang="es-ES_tradnl" baseline="-25000" dirty="0"/>
-                        <a:t>1</a:t>
-                      </a:r>
-                      <a:r>
-                        <a:rPr lang="es-ES_tradnl" dirty="0"/>
-                        <a:t>] </a:t>
-                      </a:r>
-                    </a:p>
-                  </a:txBody>
-                  <a:tcPr/>
-                </a:tc>
-                <a:tc hMerge="1">
-                  <a:txBody>
-                    <a:bodyPr/>
-                    <a:lstStyle/>
-                    <a:p>
-                      <a:endParaRPr lang="es-ES_tradnl"/>
-                    </a:p>
-                  </a:txBody>
-                  <a:tcPr/>
-                </a:tc>
-                <a:extLst>
-                  <a:ext uri="{0D108BD9-81ED-4DB2-BD59-A6C34878D82A}">
-                    <a16:rowId xmlns:a16="http://schemas.microsoft.com/office/drawing/2014/main" val="3066057229"/>
-                  </a:ext>
-                </a:extLst>
-              </a:tr>
-              <a:tr h="0">
-                <a:tc gridSpan="2">
-                  <a:txBody>
-                    <a:bodyPr/>
-                    <a:lstStyle/>
-                    <a:p>
-                      <a:pPr marL="0" marR="0" lvl="0" indent="0" algn="ctr" defTabSz="685800" rtl="0" eaLnBrk="1" fontAlgn="auto" latinLnBrk="0" hangingPunct="1">
-                        <a:lnSpc>
-                          <a:spcPct val="100000"/>
-                        </a:lnSpc>
-                        <a:spcBef>
-                          <a:spcPts val="0"/>
-                        </a:spcBef>
-                        <a:spcAft>
-                          <a:spcPts val="0"/>
-                        </a:spcAft>
-                        <a:buClrTx/>
-                        <a:buSzTx/>
-                        <a:buFontTx/>
-                        <a:buNone/>
-                        <a:tabLst/>
-                        <a:defRPr/>
-                      </a:pPr>
-                      <a:r>
-                        <a:rPr lang="es-ES_tradnl" dirty="0"/>
-                        <a:t>[x</a:t>
-                      </a:r>
-                      <a:r>
-                        <a:rPr lang="es-ES_tradnl" baseline="-25000" dirty="0"/>
-                        <a:t>3</a:t>
-                      </a:r>
-                      <a:r>
-                        <a:rPr lang="es-ES_tradnl" baseline="0" dirty="0"/>
-                        <a:t>,y</a:t>
-                      </a:r>
-                      <a:r>
-                        <a:rPr lang="es-ES_tradnl" baseline="-25000" dirty="0"/>
-                        <a:t>3</a:t>
-                      </a:r>
-                      <a:r>
-                        <a:rPr lang="es-ES_tradnl" dirty="0"/>
-                        <a:t>], [x</a:t>
-                      </a:r>
-                      <a:r>
-                        <a:rPr lang="es-ES_tradnl" baseline="-25000" dirty="0"/>
-                        <a:t>2</a:t>
-                      </a:r>
-                      <a:r>
-                        <a:rPr lang="es-ES_tradnl" baseline="0" dirty="0"/>
-                        <a:t>,y</a:t>
-                      </a:r>
-                      <a:r>
-                        <a:rPr lang="es-ES_tradnl" baseline="-25000" dirty="0"/>
-                        <a:t>2</a:t>
-                      </a:r>
-                      <a:r>
-                        <a:rPr lang="es-ES_tradnl" dirty="0"/>
-                        <a:t>]</a:t>
-                      </a:r>
-                    </a:p>
-                  </a:txBody>
-                  <a:tcPr/>
-                </a:tc>
-                <a:tc hMerge="1">
-                  <a:txBody>
-                    <a:bodyPr/>
-                    <a:lstStyle/>
-                    <a:p>
-                      <a:endParaRPr lang="es-ES_tradnl"/>
-                    </a:p>
-                  </a:txBody>
-                  <a:tcPr/>
-                </a:tc>
-                <a:extLst>
-                  <a:ext uri="{0D108BD9-81ED-4DB2-BD59-A6C34878D82A}">
-                    <a16:rowId xmlns:a16="http://schemas.microsoft.com/office/drawing/2014/main" val="3630737817"/>
-                  </a:ext>
-                </a:extLst>
-              </a:tr>
-              <a:tr h="321137">
-                <a:tc gridSpan="2">
-                  <a:txBody>
-                    <a:bodyPr/>
-                    <a:lstStyle/>
-                    <a:p>
-                      <a:pPr marL="0" marR="0" lvl="0" indent="0" algn="ctr" defTabSz="685800" rtl="0" eaLnBrk="1" fontAlgn="auto" latinLnBrk="0" hangingPunct="1">
-                        <a:lnSpc>
-                          <a:spcPct val="100000"/>
-                        </a:lnSpc>
-                        <a:spcBef>
-                          <a:spcPts val="0"/>
-                        </a:spcBef>
-                        <a:spcAft>
-                          <a:spcPts val="0"/>
-                        </a:spcAft>
-                        <a:buClrTx/>
-                        <a:buSzTx/>
-                        <a:buFontTx/>
-                        <a:buNone/>
-                        <a:tabLst/>
-                        <a:defRPr/>
-                      </a:pPr>
-                      <a:r>
-                        <a:rPr lang="es-ES_tradnl" dirty="0"/>
-                        <a:t>[x</a:t>
-                      </a:r>
-                      <a:r>
-                        <a:rPr lang="es-ES_tradnl" baseline="-25000" dirty="0"/>
-                        <a:t>4</a:t>
-                      </a:r>
-                      <a:r>
-                        <a:rPr lang="es-ES_tradnl" baseline="0" dirty="0"/>
-                        <a:t>,y</a:t>
-                      </a:r>
-                      <a:r>
-                        <a:rPr lang="es-ES_tradnl" baseline="-25000" dirty="0"/>
-                        <a:t>4</a:t>
-                      </a:r>
-                      <a:r>
-                        <a:rPr lang="es-ES_tradnl" baseline="0" dirty="0"/>
-                        <a:t>],</a:t>
-                      </a:r>
-                      <a:r>
-                        <a:rPr lang="es-ES_tradnl" dirty="0"/>
-                        <a:t> [x</a:t>
-                      </a:r>
-                      <a:r>
-                        <a:rPr lang="es-ES_tradnl" baseline="-25000" dirty="0"/>
-                        <a:t>2</a:t>
-                      </a:r>
-                      <a:r>
-                        <a:rPr lang="es-ES_tradnl" baseline="0" dirty="0"/>
-                        <a:t>,y</a:t>
-                      </a:r>
-                      <a:r>
-                        <a:rPr lang="es-ES_tradnl" baseline="-25000" dirty="0"/>
-                        <a:t>2</a:t>
-                      </a:r>
-                      <a:r>
-                        <a:rPr lang="es-ES_tradnl" dirty="0"/>
-                        <a:t>]</a:t>
-                      </a:r>
-                    </a:p>
-                  </a:txBody>
-                  <a:tcPr/>
-                </a:tc>
-                <a:tc hMerge="1">
-                  <a:txBody>
-                    <a:bodyPr/>
-                    <a:lstStyle/>
-                    <a:p>
-                      <a:endParaRPr lang="es-ES_tradnl"/>
-                    </a:p>
-                  </a:txBody>
-                  <a:tcPr/>
-                </a:tc>
-                <a:extLst>
-                  <a:ext uri="{0D108BD9-81ED-4DB2-BD59-A6C34878D82A}">
-                    <a16:rowId xmlns:a16="http://schemas.microsoft.com/office/drawing/2014/main" val="2183446343"/>
-                  </a:ext>
-                </a:extLst>
-              </a:tr>
-              <a:tr h="0">
-                <a:tc gridSpan="2">
-                  <a:txBody>
-                    <a:bodyPr/>
-                    <a:lstStyle/>
-                    <a:p>
-                      <a:pPr marL="0" marR="0" lvl="0" indent="0" algn="ctr" defTabSz="685800" rtl="0" eaLnBrk="1" fontAlgn="auto" latinLnBrk="0" hangingPunct="1">
-                        <a:lnSpc>
-                          <a:spcPct val="100000"/>
-                        </a:lnSpc>
-                        <a:spcBef>
-                          <a:spcPts val="0"/>
-                        </a:spcBef>
-                        <a:spcAft>
-                          <a:spcPts val="0"/>
-                        </a:spcAft>
-                        <a:buClrTx/>
-                        <a:buSzTx/>
-                        <a:buFontTx/>
-                        <a:buNone/>
-                        <a:tabLst/>
-                        <a:defRPr/>
-                      </a:pPr>
-                      <a:r>
-                        <a:rPr lang="es-ES_tradnl" dirty="0"/>
-                        <a:t>[x</a:t>
-                      </a:r>
-                      <a:r>
-                        <a:rPr lang="es-ES_tradnl" baseline="-25000" dirty="0"/>
-                        <a:t>5</a:t>
-                      </a:r>
-                      <a:r>
-                        <a:rPr lang="es-ES_tradnl" baseline="0" dirty="0"/>
-                        <a:t>,y</a:t>
-                      </a:r>
-                      <a:r>
-                        <a:rPr lang="es-ES_tradnl" baseline="-25000" dirty="0"/>
-                        <a:t>5</a:t>
-                      </a:r>
-                      <a:r>
-                        <a:rPr lang="es-ES_tradnl" baseline="0" dirty="0"/>
-                        <a:t>],</a:t>
-                      </a:r>
-                      <a:r>
-                        <a:rPr lang="es-ES_tradnl" dirty="0"/>
-                        <a:t> [x</a:t>
-                      </a:r>
-                      <a:r>
-                        <a:rPr lang="es-ES_tradnl" baseline="-25000" dirty="0"/>
-                        <a:t>3</a:t>
-                      </a:r>
-                      <a:r>
-                        <a:rPr lang="es-ES_tradnl" baseline="0" dirty="0"/>
-                        <a:t>,y</a:t>
-                      </a:r>
-                      <a:r>
-                        <a:rPr lang="es-ES_tradnl" baseline="-25000" dirty="0"/>
-                        <a:t>3</a:t>
-                      </a:r>
-                      <a:r>
-                        <a:rPr lang="es-ES_tradnl" dirty="0"/>
-                        <a:t>]</a:t>
-                      </a:r>
-                    </a:p>
-                  </a:txBody>
-                  <a:tcPr/>
-                </a:tc>
-                <a:tc hMerge="1">
-                  <a:txBody>
-                    <a:bodyPr/>
-                    <a:lstStyle/>
-                    <a:p>
-                      <a:endParaRPr lang="es-ES_tradnl"/>
-                    </a:p>
-                  </a:txBody>
-                  <a:tcPr/>
-                </a:tc>
-                <a:extLst>
-                  <a:ext uri="{0D108BD9-81ED-4DB2-BD59-A6C34878D82A}">
-                    <a16:rowId xmlns:a16="http://schemas.microsoft.com/office/drawing/2014/main" val="2010562485"/>
-                  </a:ext>
-                </a:extLst>
-              </a:tr>
-              <a:tr h="0">
-                <a:tc gridSpan="2">
-                  <a:txBody>
-                    <a:bodyPr/>
-                    <a:lstStyle/>
-                    <a:p>
-                      <a:pPr marL="0" marR="0" lvl="0" indent="0" algn="ctr" defTabSz="685800" rtl="0" eaLnBrk="1" fontAlgn="auto" latinLnBrk="0" hangingPunct="1">
-                        <a:lnSpc>
-                          <a:spcPct val="100000"/>
-                        </a:lnSpc>
-                        <a:spcBef>
-                          <a:spcPts val="0"/>
-                        </a:spcBef>
-                        <a:spcAft>
-                          <a:spcPts val="0"/>
-                        </a:spcAft>
-                        <a:buClrTx/>
-                        <a:buSzTx/>
-                        <a:buFontTx/>
-                        <a:buNone/>
-                        <a:tabLst/>
-                        <a:defRPr/>
-                      </a:pPr>
-                      <a:endParaRPr lang="es-ES_tradnl" dirty="0"/>
-                    </a:p>
-                  </a:txBody>
-                  <a:tcPr>
-                    <a:solidFill>
-                      <a:schemeClr val="bg1"/>
-                    </a:solidFill>
-                  </a:tcPr>
-                </a:tc>
-                <a:tc hMerge="1">
-                  <a:txBody>
-                    <a:bodyPr/>
-                    <a:lstStyle/>
-                    <a:p>
-                      <a:endParaRPr lang="es-ES_tradnl"/>
                     </a:p>
                   </a:txBody>
                   <a:tcPr/>
@@ -14072,13 +13423,13 @@
   <p:clrMapOvr>
     <a:masterClrMapping/>
   </p:clrMapOvr>
-  <mc:AlternateContent xmlns:mc="http://schemas.openxmlformats.org/markup-compatibility/2006">
-    <mc:Choice xmlns:p14="http://schemas.microsoft.com/office/powerpoint/2010/main" Requires="p14">
+  <mc:AlternateContent xmlns:mc="http://schemas.openxmlformats.org/markup-compatibility/2006" xmlns:p14="http://schemas.microsoft.com/office/powerpoint/2010/main">
+    <mc:Choice Requires="p14">
       <p:transition spd="med" p14:dur="700">
         <p:fade/>
       </p:transition>
     </mc:Choice>
-    <mc:Fallback>
+    <mc:Fallback xmlns="">
       <p:transition spd="med">
         <p:fade/>
       </p:transition>
@@ -14266,8 +13617,8 @@
           </a:p>
         </p:txBody>
       </p:sp>
-      <mc:AlternateContent xmlns:mc="http://schemas.openxmlformats.org/markup-compatibility/2006">
-        <mc:Choice xmlns:a14="http://schemas.microsoft.com/office/drawing/2010/main" Requires="a14">
+      <mc:AlternateContent xmlns:mc="http://schemas.openxmlformats.org/markup-compatibility/2006" xmlns:a14="http://schemas.microsoft.com/office/drawing/2010/main">
+        <mc:Choice Requires="a14">
           <p:graphicFrame>
             <p:nvGraphicFramePr>
               <p:cNvPr id="2" name="Tableau 7">
@@ -14453,6 +13804,7 @@
                           </a:r>
                         </a:p>
                         <a:p>
+                          <a:pPr/>
                           <a14:m>
                             <m:oMathPara xmlns:m="http://schemas.openxmlformats.org/officeDocument/2006/math">
                               <m:oMathParaPr>
@@ -14460,44 +13812,62 @@
                               </m:oMathParaPr>
                               <m:oMath xmlns:m="http://schemas.openxmlformats.org/officeDocument/2006/math">
                                 <m:r>
-                                  <a:rPr lang="fr-FR" b="0" noProof="0" smtClean="0"/>
+                                  <a:rPr lang="fr-FR" b="0" noProof="0" smtClean="0">
+                                    <a:latin typeface="Cambria Math" panose="02040503050406030204" pitchFamily="18" charset="0"/>
+                                  </a:rPr>
                                   <m:t>𝐾</m:t>
                                 </m:r>
                                 <m:r>
-                                  <a:rPr lang="fr-FR" b="0" noProof="0" smtClean="0"/>
+                                  <a:rPr lang="fr-FR" b="0" noProof="0" smtClean="0">
+                                    <a:latin typeface="Cambria Math" panose="02040503050406030204" pitchFamily="18" charset="0"/>
+                                  </a:rPr>
                                   <m:t>⋅</m:t>
                                 </m:r>
                                 <m:r>
-                                  <a:rPr lang="fr-FR" b="0" noProof="0" smtClean="0"/>
+                                  <a:rPr lang="fr-FR" b="0" noProof="0" smtClean="0">
+                                    <a:latin typeface="Cambria Math" panose="02040503050406030204" pitchFamily="18" charset="0"/>
+                                  </a:rPr>
                                   <m:t>𝑑</m:t>
                                 </m:r>
                                 <m:d>
                                   <m:dPr>
                                     <m:ctrlPr>
-                                      <a:rPr lang="fr-FR" b="0" noProof="0" smtClean="0"/>
+                                      <a:rPr lang="fr-FR" b="0" i="1" noProof="0" smtClean="0">
+                                        <a:latin typeface="Cambria Math" panose="02040503050406030204" pitchFamily="18" charset="0"/>
+                                      </a:rPr>
                                     </m:ctrlPr>
                                   </m:dPr>
                                   <m:e>
                                     <m:r>
-                                      <a:rPr lang="fr-FR" b="0" noProof="0" smtClean="0"/>
+                                      <a:rPr lang="fr-FR" b="0" noProof="0" smtClean="0">
+                                        <a:latin typeface="Cambria Math" panose="02040503050406030204" pitchFamily="18" charset="0"/>
+                                      </a:rPr>
                                       <m:t>𝑟𝑜𝑏𝑜𝑡</m:t>
                                     </m:r>
                                     <m:r>
-                                      <a:rPr lang="fr-FR" b="0" noProof="0" smtClean="0"/>
+                                      <a:rPr lang="fr-FR" b="0" noProof="0" smtClean="0">
+                                        <a:latin typeface="Cambria Math" panose="02040503050406030204" pitchFamily="18" charset="0"/>
+                                      </a:rPr>
                                       <m:t>,</m:t>
                                     </m:r>
                                     <m:r>
-                                      <a:rPr lang="fr-FR" b="0" noProof="0" smtClean="0"/>
+                                      <a:rPr lang="fr-FR" b="0" noProof="0" smtClean="0">
+                                        <a:latin typeface="Cambria Math" panose="02040503050406030204" pitchFamily="18" charset="0"/>
+                                      </a:rPr>
                                       <m:t>𝑡𝑎𝑟𝑔𝑒𝑡</m:t>
                                     </m:r>
                                   </m:e>
                                 </m:d>
                                 <m:r>
-                                  <a:rPr lang="fr-FR" b="0" noProof="0" smtClean="0"/>
+                                  <a:rPr lang="fr-FR" b="0" noProof="0" smtClean="0">
+                                    <a:latin typeface="Cambria Math" panose="02040503050406030204" pitchFamily="18" charset="0"/>
+                                  </a:rPr>
                                   <m:t>+</m:t>
                                 </m:r>
                                 <m:r>
-                                  <a:rPr lang="fr-FR" b="0" noProof="0" smtClean="0"/>
+                                  <a:rPr lang="fr-FR" b="0" noProof="0" smtClean="0">
+                                    <a:latin typeface="Cambria Math" panose="02040503050406030204" pitchFamily="18" charset="0"/>
+                                  </a:rPr>
                                   <m:t>𝐶</m:t>
                                 </m:r>
                               </m:oMath>
@@ -14550,7 +13920,9 @@
                               </m:oMathParaPr>
                               <m:oMath xmlns:m="http://schemas.openxmlformats.org/officeDocument/2006/math">
                                 <m:r>
-                                  <a:rPr lang="fr-FR" b="0" noProof="0" smtClean="0"/>
+                                  <a:rPr lang="fr-FR" b="0" noProof="0" smtClean="0">
+                                    <a:latin typeface="Cambria Math" panose="02040503050406030204" pitchFamily="18" charset="0"/>
+                                  </a:rPr>
                                   <m:t>𝑑</m:t>
                                 </m:r>
                               </m:oMath>
@@ -14639,6 +14011,7 @@
                           </a:r>
                         </a:p>
                         <a:p>
+                          <a:pPr/>
                           <a14:m>
                             <m:oMathPara xmlns:m="http://schemas.openxmlformats.org/officeDocument/2006/math">
                               <m:oMathParaPr>
@@ -14646,48 +14019,68 @@
                               </m:oMathParaPr>
                               <m:oMath xmlns:m="http://schemas.openxmlformats.org/officeDocument/2006/math">
                                 <m:r>
-                                  <a:rPr lang="fr-FR" b="0" noProof="0" smtClean="0"/>
+                                  <a:rPr lang="fr-FR" b="0" noProof="0" smtClean="0">
+                                    <a:latin typeface="Cambria Math" panose="02040503050406030204" pitchFamily="18" charset="0"/>
+                                  </a:rPr>
                                   <m:t>±</m:t>
                                 </m:r>
                                 <m:r>
-                                  <a:rPr lang="fr-FR" b="0" noProof="0" smtClean="0"/>
+                                  <a:rPr lang="fr-FR" b="0" noProof="0" smtClean="0">
+                                    <a:latin typeface="Cambria Math" panose="02040503050406030204" pitchFamily="18" charset="0"/>
+                                  </a:rPr>
                                   <m:t>𝐾</m:t>
                                 </m:r>
                                 <m:r>
-                                  <a:rPr lang="fr-FR" b="0" noProof="0" smtClean="0"/>
+                                  <a:rPr lang="fr-FR" b="0" noProof="0" smtClean="0">
+                                    <a:latin typeface="Cambria Math" panose="02040503050406030204" pitchFamily="18" charset="0"/>
+                                  </a:rPr>
                                   <m:t>⋅</m:t>
                                 </m:r>
                                 <m:r>
-                                  <a:rPr lang="fr-FR" b="0" noProof="0" smtClean="0"/>
+                                  <a:rPr lang="fr-FR" b="0" noProof="0" smtClean="0">
+                                    <a:latin typeface="Cambria Math" panose="02040503050406030204" pitchFamily="18" charset="0"/>
+                                  </a:rPr>
                                   <m:t>𝛼</m:t>
                                 </m:r>
                                 <m:d>
                                   <m:dPr>
                                     <m:ctrlPr>
-                                      <a:rPr lang="fr-FR" b="0" noProof="0" smtClean="0"/>
+                                      <a:rPr lang="fr-FR" b="0" i="1" noProof="0" smtClean="0">
+                                        <a:latin typeface="Cambria Math" panose="02040503050406030204" pitchFamily="18" charset="0"/>
+                                      </a:rPr>
                                     </m:ctrlPr>
                                   </m:dPr>
                                   <m:e>
                                     <m:r>
-                                      <a:rPr lang="fr-FR" b="0" noProof="0" smtClean="0"/>
+                                      <a:rPr lang="fr-FR" b="0" noProof="0" smtClean="0">
+                                        <a:latin typeface="Cambria Math" panose="02040503050406030204" pitchFamily="18" charset="0"/>
+                                      </a:rPr>
                                       <m:t>𝑟𝑜𝑏𝑜𝑡</m:t>
                                     </m:r>
                                     <m:r>
-                                      <a:rPr lang="fr-FR" b="0" noProof="0" smtClean="0"/>
+                                      <a:rPr lang="fr-FR" b="0" noProof="0" smtClean="0">
+                                        <a:latin typeface="Cambria Math" panose="02040503050406030204" pitchFamily="18" charset="0"/>
+                                      </a:rPr>
                                       <m:t>,</m:t>
                                     </m:r>
                                     <m:r>
-                                      <a:rPr lang="fr-FR" b="0" noProof="0" smtClean="0"/>
+                                      <a:rPr lang="fr-FR" b="0" noProof="0" smtClean="0">
+                                        <a:latin typeface="Cambria Math" panose="02040503050406030204" pitchFamily="18" charset="0"/>
+                                      </a:rPr>
                                       <m:t>𝑡𝑎𝑟𝑔𝑒𝑡</m:t>
                                     </m:r>
                                   </m:e>
                                 </m:d>
                                 <m:r>
-                                  <a:rPr lang="fr-FR" b="0" noProof="0" smtClean="0"/>
+                                  <a:rPr lang="fr-FR" b="0" noProof="0" smtClean="0">
+                                    <a:latin typeface="Cambria Math" panose="02040503050406030204" pitchFamily="18" charset="0"/>
+                                  </a:rPr>
                                   <m:t>+</m:t>
                                 </m:r>
                                 <m:r>
-                                  <a:rPr lang="fr-FR" b="0" noProof="0" smtClean="0"/>
+                                  <a:rPr lang="fr-FR" b="0" noProof="0" smtClean="0">
+                                    <a:latin typeface="Cambria Math" panose="02040503050406030204" pitchFamily="18" charset="0"/>
+                                  </a:rPr>
                                   <m:t>𝐶</m:t>
                                 </m:r>
                               </m:oMath>
@@ -14759,7 +14152,7 @@
             </a:graphic>
           </p:graphicFrame>
         </mc:Choice>
-        <mc:Fallback>
+        <mc:Fallback xmlns="">
           <p:graphicFrame>
             <p:nvGraphicFramePr>
               <p:cNvPr id="2" name="Tableau 7">
@@ -15179,8 +14572,8 @@
           </a:prstGeom>
         </p:spPr>
       </p:pic>
-      <mc:AlternateContent xmlns:mc="http://schemas.openxmlformats.org/markup-compatibility/2006">
-        <mc:Choice xmlns:a14="http://schemas.microsoft.com/office/drawing/2010/main" Requires="a14">
+      <mc:AlternateContent xmlns:mc="http://schemas.openxmlformats.org/markup-compatibility/2006" xmlns:a14="http://schemas.microsoft.com/office/drawing/2010/main">
+        <mc:Choice Requires="a14">
           <p:sp>
             <p:nvSpPr>
               <p:cNvPr id="11" name="Arc 10">
@@ -15252,7 +14645,7 @@
             </p:txBody>
           </p:sp>
         </mc:Choice>
-        <mc:Fallback>
+        <mc:Fallback xmlns="">
           <p:sp>
             <p:nvSpPr>
               <p:cNvPr id="11" name="Arc 10">
@@ -15681,13 +15074,13 @@
   <p:clrMapOvr>
     <a:masterClrMapping/>
   </p:clrMapOvr>
-  <mc:AlternateContent xmlns:mc="http://schemas.openxmlformats.org/markup-compatibility/2006">
-    <mc:Choice xmlns:p14="http://schemas.microsoft.com/office/powerpoint/2010/main" Requires="p14">
+  <mc:AlternateContent xmlns:mc="http://schemas.openxmlformats.org/markup-compatibility/2006" xmlns:p14="http://schemas.microsoft.com/office/powerpoint/2010/main">
+    <mc:Choice Requires="p14">
       <p:transition spd="med" p14:dur="700">
         <p:fade/>
       </p:transition>
     </mc:Choice>
-    <mc:Fallback>
+    <mc:Fallback xmlns="">
       <p:transition spd="med">
         <p:fade/>
       </p:transition>

--- a/Presentation.pptx
+++ b/Presentation.pptx
@@ -5,19 +5,20 @@
     <p:sldMasterId id="2147483660" r:id="rId1"/>
   </p:sldMasterIdLst>
   <p:notesMasterIdLst>
-    <p:notesMasterId r:id="rId9"/>
+    <p:notesMasterId r:id="rId10"/>
   </p:notesMasterIdLst>
   <p:handoutMasterIdLst>
-    <p:handoutMasterId r:id="rId10"/>
+    <p:handoutMasterId r:id="rId11"/>
   </p:handoutMasterIdLst>
   <p:sldIdLst>
     <p:sldId id="256" r:id="rId2"/>
     <p:sldId id="2603" r:id="rId3"/>
     <p:sldId id="2604" r:id="rId4"/>
-    <p:sldId id="2423" r:id="rId5"/>
-    <p:sldId id="2598" r:id="rId6"/>
-    <p:sldId id="2600" r:id="rId7"/>
-    <p:sldId id="2601" r:id="rId8"/>
+    <p:sldId id="2602" r:id="rId5"/>
+    <p:sldId id="2423" r:id="rId6"/>
+    <p:sldId id="2598" r:id="rId7"/>
+    <p:sldId id="2600" r:id="rId8"/>
+    <p:sldId id="2601" r:id="rId9"/>
   </p:sldIdLst>
   <p:sldSz cx="9144000" cy="5143500" type="screen16x9"/>
   <p:notesSz cx="6858000" cy="9144000"/>
@@ -131,7 +132,9 @@
           </p14:sldIdLst>
         </p14:section>
         <p14:section name="Kalman" id="{9BC25591-AC98-8548-8C69-2AB6C8C47D34}">
-          <p14:sldIdLst/>
+          <p14:sldIdLst>
+            <p14:sldId id="2602"/>
+          </p14:sldIdLst>
         </p14:section>
         <p14:section name="Global navigation" id="{2B9A368C-2258-6942-8144-0F7EA08EF783}">
           <p14:sldIdLst>
@@ -1439,7 +1442,7 @@
     </p:spTree>
     <p:extLst>
       <p:ext uri="{BB962C8B-B14F-4D97-AF65-F5344CB8AC3E}">
-        <p14:creationId xmlns:p14="http://schemas.microsoft.com/office/powerpoint/2010/main" val="873990886"/>
+        <p14:creationId xmlns:p14="http://schemas.microsoft.com/office/powerpoint/2010/main" val="769102681"/>
       </p:ext>
     </p:extLst>
   </p:cSld>
@@ -1621,7 +1624,7 @@
     </p:spTree>
     <p:extLst>
       <p:ext uri="{BB962C8B-B14F-4D97-AF65-F5344CB8AC3E}">
-        <p14:creationId xmlns:p14="http://schemas.microsoft.com/office/powerpoint/2010/main" val="4277277819"/>
+        <p14:creationId xmlns:p14="http://schemas.microsoft.com/office/powerpoint/2010/main" val="873990886"/>
       </p:ext>
     </p:extLst>
   </p:cSld>
@@ -1803,7 +1806,7 @@
     </p:spTree>
     <p:extLst>
       <p:ext uri="{BB962C8B-B14F-4D97-AF65-F5344CB8AC3E}">
-        <p14:creationId xmlns:p14="http://schemas.microsoft.com/office/powerpoint/2010/main" val="2254962325"/>
+        <p14:creationId xmlns:p14="http://schemas.microsoft.com/office/powerpoint/2010/main" val="4277277819"/>
       </p:ext>
     </p:extLst>
   </p:cSld>
@@ -1890,6 +1893,188 @@
               <a:rPr lang="fr-FR" smtClean="0"/>
               <a:pPr/>
               <a:t>7</a:t>
+            </a:fld>
+            <a:endParaRPr lang="fr-FR" dirty="0"/>
+          </a:p>
+        </p:txBody>
+      </p:sp>
+      <p:sp>
+        <p:nvSpPr>
+          <p:cNvPr id="5" name="Espace réservé de la date 4">
+            <a:extLst>
+              <a:ext uri="{FF2B5EF4-FFF2-40B4-BE49-F238E27FC236}">
+                <a16:creationId xmlns:a16="http://schemas.microsoft.com/office/drawing/2014/main" id="{57A87EDF-68BA-F94F-B072-14600DC49C20}"/>
+              </a:ext>
+            </a:extLst>
+          </p:cNvPr>
+          <p:cNvSpPr>
+            <a:spLocks noGrp="1"/>
+          </p:cNvSpPr>
+          <p:nvPr>
+            <p:ph type="dt" idx="1"/>
+          </p:nvPr>
+        </p:nvSpPr>
+        <p:spPr/>
+        <p:txBody>
+          <a:bodyPr/>
+          <a:lstStyle/>
+          <a:p>
+            <a:fld id="{2946CD82-E649-524A-9F69-54FD129847B5}" type="datetime1">
+              <a:rPr lang="fr-CH" smtClean="0"/>
+              <a:t>12.12.2022</a:t>
+            </a:fld>
+            <a:endParaRPr lang="fr-FR" dirty="0"/>
+          </a:p>
+        </p:txBody>
+      </p:sp>
+      <p:sp>
+        <p:nvSpPr>
+          <p:cNvPr id="6" name="Espace réservé du pied de page 5">
+            <a:extLst>
+              <a:ext uri="{FF2B5EF4-FFF2-40B4-BE49-F238E27FC236}">
+                <a16:creationId xmlns:a16="http://schemas.microsoft.com/office/drawing/2014/main" id="{A16FE9C7-3AD5-C54F-B9F1-147F108973F9}"/>
+              </a:ext>
+            </a:extLst>
+          </p:cNvPr>
+          <p:cNvSpPr>
+            <a:spLocks noGrp="1"/>
+          </p:cNvSpPr>
+          <p:nvPr>
+            <p:ph type="ftr" sz="quarter" idx="4"/>
+          </p:nvPr>
+        </p:nvSpPr>
+        <p:spPr/>
+        <p:txBody>
+          <a:bodyPr/>
+          <a:lstStyle/>
+          <a:p>
+            <a:r>
+              <a:rPr lang="fr-FR"/>
+              <a:t>Speaker</a:t>
+            </a:r>
+            <a:endParaRPr lang="fr-FR" dirty="0"/>
+          </a:p>
+        </p:txBody>
+      </p:sp>
+      <p:sp>
+        <p:nvSpPr>
+          <p:cNvPr id="7" name="Espace réservé de l'en-tête 6">
+            <a:extLst>
+              <a:ext uri="{FF2B5EF4-FFF2-40B4-BE49-F238E27FC236}">
+                <a16:creationId xmlns:a16="http://schemas.microsoft.com/office/drawing/2014/main" id="{11B2E7AA-ECDA-9344-AA3A-EC044CB2FF61}"/>
+              </a:ext>
+            </a:extLst>
+          </p:cNvPr>
+          <p:cNvSpPr>
+            <a:spLocks noGrp="1"/>
+          </p:cNvSpPr>
+          <p:nvPr>
+            <p:ph type="hdr" sz="quarter"/>
+          </p:nvPr>
+        </p:nvSpPr>
+        <p:spPr/>
+        <p:txBody>
+          <a:bodyPr/>
+          <a:lstStyle/>
+          <a:p>
+            <a:r>
+              <a:rPr lang="fr-FR"/>
+              <a:t>NAME EVENT / NAME PRESENTATION</a:t>
+            </a:r>
+            <a:endParaRPr lang="fr-FR" dirty="0"/>
+          </a:p>
+        </p:txBody>
+      </p:sp>
+    </p:spTree>
+    <p:extLst>
+      <p:ext uri="{BB962C8B-B14F-4D97-AF65-F5344CB8AC3E}">
+        <p14:creationId xmlns:p14="http://schemas.microsoft.com/office/powerpoint/2010/main" val="2254962325"/>
+      </p:ext>
+    </p:extLst>
+  </p:cSld>
+  <p:clrMapOvr>
+    <a:masterClrMapping/>
+  </p:clrMapOvr>
+</p:notes>
+</file>
+
+<file path=ppt/notesSlides/notesSlide8.xml><?xml version="1.0" encoding="utf-8"?>
+<p:notes xmlns:a="http://schemas.openxmlformats.org/drawingml/2006/main" xmlns:r="http://schemas.openxmlformats.org/officeDocument/2006/relationships" xmlns:p="http://schemas.openxmlformats.org/presentationml/2006/main">
+  <p:cSld>
+    <p:spTree>
+      <p:nvGrpSpPr>
+        <p:cNvPr id="1" name=""/>
+        <p:cNvGrpSpPr/>
+        <p:nvPr/>
+      </p:nvGrpSpPr>
+      <p:grpSpPr>
+        <a:xfrm>
+          <a:off x="0" y="0"/>
+          <a:ext cx="0" cy="0"/>
+          <a:chOff x="0" y="0"/>
+          <a:chExt cx="0" cy="0"/>
+        </a:xfrm>
+      </p:grpSpPr>
+      <p:sp>
+        <p:nvSpPr>
+          <p:cNvPr id="2" name="Espace réservé de l'image des diapositives 1"/>
+          <p:cNvSpPr>
+            <a:spLocks noGrp="1" noRot="1" noChangeAspect="1"/>
+          </p:cNvSpPr>
+          <p:nvPr>
+            <p:ph type="sldImg"/>
+          </p:nvPr>
+        </p:nvSpPr>
+        <p:spPr>
+          <a:xfrm>
+            <a:off x="211138" y="619125"/>
+            <a:ext cx="6435725" cy="3621088"/>
+          </a:xfrm>
+        </p:spPr>
+      </p:sp>
+      <p:sp>
+        <p:nvSpPr>
+          <p:cNvPr id="3" name="Espace réservé des notes 2"/>
+          <p:cNvSpPr>
+            <a:spLocks noGrp="1"/>
+          </p:cNvSpPr>
+          <p:nvPr>
+            <p:ph type="body" idx="1"/>
+          </p:nvPr>
+        </p:nvSpPr>
+        <p:spPr>
+          <a:xfrm>
+            <a:off x="210518" y="4572000"/>
+            <a:ext cx="6436964" cy="4029558"/>
+          </a:xfrm>
+        </p:spPr>
+        <p:txBody>
+          <a:bodyPr/>
+          <a:lstStyle/>
+          <a:p>
+            <a:endParaRPr lang="fr-FR" dirty="0"/>
+          </a:p>
+        </p:txBody>
+      </p:sp>
+      <p:sp>
+        <p:nvSpPr>
+          <p:cNvPr id="4" name="Espace réservé du numéro de diapositive 3"/>
+          <p:cNvSpPr>
+            <a:spLocks noGrp="1"/>
+          </p:cNvSpPr>
+          <p:nvPr>
+            <p:ph type="sldNum" sz="quarter" idx="5"/>
+          </p:nvPr>
+        </p:nvSpPr>
+        <p:spPr/>
+        <p:txBody>
+          <a:bodyPr/>
+          <a:lstStyle/>
+          <a:p>
+            <a:fld id="{4CF50783-AAED-1941-8BCC-9F6140F0A6B1}" type="slidenum">
+              <a:rPr lang="fr-FR" smtClean="0"/>
+              <a:pPr/>
+              <a:t>8</a:t>
             </a:fld>
             <a:endParaRPr lang="fr-FR" dirty="0"/>
           </a:p>
@@ -8102,7 +8287,7 @@
           <a:p>
             <a:r>
               <a:rPr lang="fr-FR" dirty="0"/>
-              <a:t>Global navigation</a:t>
+              <a:t>State estimation</a:t>
             </a:r>
           </a:p>
         </p:txBody>
@@ -8123,7 +8308,12 @@
             <p:ph type="dt" sz="half" idx="14"/>
           </p:nvPr>
         </p:nvSpPr>
-        <p:spPr/>
+        <p:spPr>
+          <a:xfrm rot="16200000">
+            <a:off x="-1214764" y="2778452"/>
+            <a:ext cx="3341052" cy="911524"/>
+          </a:xfrm>
+        </p:spPr>
         <p:txBody>
           <a:bodyPr/>
           <a:lstStyle/>
@@ -8161,6 +8351,2228 @@
               <a:rPr lang="fr-FR" smtClean="0"/>
               <a:pPr/>
               <a:t>4</a:t>
+            </a:fld>
+            <a:endParaRPr lang="fr-FR" dirty="0"/>
+          </a:p>
+        </p:txBody>
+      </p:sp>
+      <p:sp>
+        <p:nvSpPr>
+          <p:cNvPr id="80" name="ZoneTexte 79">
+            <a:extLst>
+              <a:ext uri="{FF2B5EF4-FFF2-40B4-BE49-F238E27FC236}">
+                <a16:creationId xmlns:a16="http://schemas.microsoft.com/office/drawing/2014/main" id="{092C2C14-B54A-FC8A-1718-5A54890420F9}"/>
+              </a:ext>
+            </a:extLst>
+          </p:cNvPr>
+          <p:cNvSpPr txBox="1"/>
+          <p:nvPr/>
+        </p:nvSpPr>
+        <p:spPr>
+          <a:xfrm>
+            <a:off x="650625" y="1507735"/>
+            <a:ext cx="1451443" cy="300082"/>
+          </a:xfrm>
+          <a:prstGeom prst="rect">
+            <a:avLst/>
+          </a:prstGeom>
+          <a:noFill/>
+        </p:spPr>
+        <p:txBody>
+          <a:bodyPr wrap="square" rtlCol="0">
+            <a:spAutoFit/>
+          </a:bodyPr>
+          <a:lstStyle/>
+          <a:p>
+            <a:r>
+              <a:rPr lang="en-GB" b="1" dirty="0"/>
+              <a:t>Initialization</a:t>
+            </a:r>
+          </a:p>
+        </p:txBody>
+      </p:sp>
+      <mc:AlternateContent xmlns:mc="http://schemas.openxmlformats.org/markup-compatibility/2006" xmlns:a14="http://schemas.microsoft.com/office/drawing/2010/main">
+        <mc:Choice Requires="a14">
+          <p:graphicFrame>
+            <p:nvGraphicFramePr>
+              <p:cNvPr id="7" name="Tableau 46">
+                <a:extLst>
+                  <a:ext uri="{FF2B5EF4-FFF2-40B4-BE49-F238E27FC236}">
+                    <a16:creationId xmlns:a16="http://schemas.microsoft.com/office/drawing/2014/main" id="{4986AB3F-D855-A780-D017-D58C10E39E3E}"/>
+                  </a:ext>
+                </a:extLst>
+              </p:cNvPr>
+              <p:cNvGraphicFramePr>
+                <a:graphicFrameLocks noGrp="1"/>
+              </p:cNvGraphicFramePr>
+              <p:nvPr/>
+            </p:nvGraphicFramePr>
+            <p:xfrm>
+              <a:off x="3906980" y="897182"/>
+              <a:ext cx="2527714" cy="610553"/>
+            </p:xfrm>
+            <a:graphic>
+              <a:graphicData uri="http://schemas.openxmlformats.org/drawingml/2006/table">
+                <a:tbl>
+                  <a:tblPr firstRow="1" bandRow="1">
+                    <a:tableStyleId>{5C22544A-7EE6-4342-B048-85BDC9FD1C3A}</a:tableStyleId>
+                  </a:tblPr>
+                  <a:tblGrid>
+                    <a:gridCol w="1136713">
+                      <a:extLst>
+                        <a:ext uri="{9D8B030D-6E8A-4147-A177-3AD203B41FA5}">
+                          <a16:colId xmlns:a16="http://schemas.microsoft.com/office/drawing/2014/main" val="498656244"/>
+                        </a:ext>
+                      </a:extLst>
+                    </a:gridCol>
+                    <a:gridCol w="1391001">
+                      <a:extLst>
+                        <a:ext uri="{9D8B030D-6E8A-4147-A177-3AD203B41FA5}">
+                          <a16:colId xmlns:a16="http://schemas.microsoft.com/office/drawing/2014/main" val="2972384606"/>
+                        </a:ext>
+                      </a:extLst>
+                    </a:gridCol>
+                  </a:tblGrid>
+                  <a:tr h="0">
+                    <a:tc>
+                      <a:txBody>
+                        <a:bodyPr/>
+                        <a:lstStyle/>
+                        <a:p>
+                          <a:r>
+                            <a:rPr lang="es-ES_tradnl" dirty="0"/>
+                            <a:t>Pose KF</a:t>
+                          </a:r>
+                        </a:p>
+                      </a:txBody>
+                      <a:tcPr/>
+                    </a:tc>
+                    <a:tc>
+                      <a:txBody>
+                        <a:bodyPr/>
+                        <a:lstStyle/>
+                        <a:p>
+                          <a:r>
+                            <a:rPr lang="es-ES_tradnl" dirty="0" err="1"/>
+                            <a:t>Orientation</a:t>
+                          </a:r>
+                          <a:r>
+                            <a:rPr lang="es-ES_tradnl" dirty="0"/>
+                            <a:t> KF</a:t>
+                          </a:r>
+                        </a:p>
+                      </a:txBody>
+                      <a:tcPr/>
+                    </a:tc>
+                    <a:extLst>
+                      <a:ext uri="{0D108BD9-81ED-4DB2-BD59-A6C34878D82A}">
+                        <a16:rowId xmlns:a16="http://schemas.microsoft.com/office/drawing/2014/main" val="1070570282"/>
+                      </a:ext>
+                    </a:extLst>
+                  </a:tr>
+                  <a:tr h="0">
+                    <a:tc>
+                      <a:txBody>
+                        <a:bodyPr/>
+                        <a:lstStyle/>
+                        <a:p>
+                          <a:pPr marL="0" marR="0" lvl="0" indent="0" algn="ctr" defTabSz="685800" rtl="0" eaLnBrk="1" fontAlgn="auto" latinLnBrk="0" hangingPunct="1">
+                            <a:lnSpc>
+                              <a:spcPct val="100000"/>
+                            </a:lnSpc>
+                            <a:spcBef>
+                              <a:spcPts val="0"/>
+                            </a:spcBef>
+                            <a:spcAft>
+                              <a:spcPts val="0"/>
+                            </a:spcAft>
+                            <a:buClrTx/>
+                            <a:buSzTx/>
+                            <a:buFontTx/>
+                            <a:buNone/>
+                            <a:tabLst/>
+                            <a:defRPr/>
+                          </a:pPr>
+                          <a14:m>
+                            <m:oMathPara xmlns:m="http://schemas.openxmlformats.org/officeDocument/2006/math">
+                              <m:oMathParaPr>
+                                <m:jc m:val="centerGroup"/>
+                              </m:oMathParaPr>
+                              <m:oMath xmlns:m="http://schemas.openxmlformats.org/officeDocument/2006/math">
+                                <m:r>
+                                  <a:rPr lang="nl-NL" b="0" i="1" smtClean="0">
+                                    <a:latin typeface="Cambria Math" panose="02040503050406030204" pitchFamily="18" charset="0"/>
+                                  </a:rPr>
+                                  <m:t>𝑥</m:t>
+                                </m:r>
+                                <m:r>
+                                  <a:rPr lang="nl-NL" b="0" i="1" smtClean="0">
+                                    <a:latin typeface="Cambria Math" panose="02040503050406030204" pitchFamily="18" charset="0"/>
+                                  </a:rPr>
+                                  <m:t>, </m:t>
+                                </m:r>
+                                <m:r>
+                                  <a:rPr lang="nl-NL" b="0" i="1" smtClean="0">
+                                    <a:latin typeface="Cambria Math" panose="02040503050406030204" pitchFamily="18" charset="0"/>
+                                  </a:rPr>
+                                  <m:t>𝑦</m:t>
+                                </m:r>
+                                <m:r>
+                                  <a:rPr lang="nl-NL" b="0" i="1" smtClean="0">
+                                    <a:latin typeface="Cambria Math" panose="02040503050406030204" pitchFamily="18" charset="0"/>
+                                  </a:rPr>
+                                  <m:t>, </m:t>
+                                </m:r>
+                                <m:sSub>
+                                  <m:sSubPr>
+                                    <m:ctrlPr>
+                                      <a:rPr lang="nl-NL" b="0" i="1" smtClean="0">
+                                        <a:latin typeface="Cambria Math" panose="02040503050406030204" pitchFamily="18" charset="0"/>
+                                      </a:rPr>
+                                    </m:ctrlPr>
+                                  </m:sSubPr>
+                                  <m:e>
+                                    <m:r>
+                                      <a:rPr lang="nl-NL" b="0" i="1" smtClean="0">
+                                        <a:latin typeface="Cambria Math" panose="02040503050406030204" pitchFamily="18" charset="0"/>
+                                      </a:rPr>
+                                      <m:t>𝑣</m:t>
+                                    </m:r>
+                                  </m:e>
+                                  <m:sub>
+                                    <m:r>
+                                      <a:rPr lang="nl-NL" b="0" i="1" smtClean="0">
+                                        <a:latin typeface="Cambria Math" panose="02040503050406030204" pitchFamily="18" charset="0"/>
+                                      </a:rPr>
+                                      <m:t>𝑥</m:t>
+                                    </m:r>
+                                  </m:sub>
+                                </m:sSub>
+                                <m:r>
+                                  <a:rPr lang="nl-NL" b="0" i="1" smtClean="0">
+                                    <a:latin typeface="Cambria Math" panose="02040503050406030204" pitchFamily="18" charset="0"/>
+                                  </a:rPr>
+                                  <m:t>, </m:t>
+                                </m:r>
+                                <m:sSub>
+                                  <m:sSubPr>
+                                    <m:ctrlPr>
+                                      <a:rPr lang="nl-NL" b="0" i="1" smtClean="0">
+                                        <a:latin typeface="Cambria Math" panose="02040503050406030204" pitchFamily="18" charset="0"/>
+                                      </a:rPr>
+                                    </m:ctrlPr>
+                                  </m:sSubPr>
+                                  <m:e>
+                                    <m:r>
+                                      <a:rPr lang="nl-NL" b="0" i="1" smtClean="0">
+                                        <a:latin typeface="Cambria Math" panose="02040503050406030204" pitchFamily="18" charset="0"/>
+                                      </a:rPr>
+                                      <m:t>𝑣</m:t>
+                                    </m:r>
+                                  </m:e>
+                                  <m:sub>
+                                    <m:r>
+                                      <a:rPr lang="nl-NL" b="0" i="1" smtClean="0">
+                                        <a:latin typeface="Cambria Math" panose="02040503050406030204" pitchFamily="18" charset="0"/>
+                                      </a:rPr>
+                                      <m:t>𝑦</m:t>
+                                    </m:r>
+                                  </m:sub>
+                                </m:sSub>
+                              </m:oMath>
+                            </m:oMathPara>
+                          </a14:m>
+                          <a:endParaRPr lang="es-ES_tradnl" dirty="0"/>
+                        </a:p>
+                      </a:txBody>
+                      <a:tcPr/>
+                    </a:tc>
+                    <a:tc>
+                      <a:txBody>
+                        <a:bodyPr/>
+                        <a:lstStyle/>
+                        <a:p>
+                          <a:pPr marL="0" marR="0" lvl="0" indent="0" algn="ctr" defTabSz="685800" rtl="0" eaLnBrk="1" fontAlgn="auto" latinLnBrk="0" hangingPunct="1">
+                            <a:lnSpc>
+                              <a:spcPct val="100000"/>
+                            </a:lnSpc>
+                            <a:spcBef>
+                              <a:spcPts val="0"/>
+                            </a:spcBef>
+                            <a:spcAft>
+                              <a:spcPts val="0"/>
+                            </a:spcAft>
+                            <a:buClrTx/>
+                            <a:buSzTx/>
+                            <a:buFontTx/>
+                            <a:buNone/>
+                            <a:tabLst/>
+                            <a:defRPr/>
+                          </a:pPr>
+                          <a14:m>
+                            <m:oMathPara xmlns:m="http://schemas.openxmlformats.org/officeDocument/2006/math">
+                              <m:oMathParaPr>
+                                <m:jc m:val="centerGroup"/>
+                              </m:oMathParaPr>
+                              <m:oMath xmlns:m="http://schemas.openxmlformats.org/officeDocument/2006/math">
+                                <m:r>
+                                  <a:rPr lang="es-ES_tradnl" i="1" smtClean="0">
+                                    <a:latin typeface="Cambria Math" panose="02040503050406030204" pitchFamily="18" charset="0"/>
+                                    <a:ea typeface="Cambria Math" panose="02040503050406030204" pitchFamily="18" charset="0"/>
+                                  </a:rPr>
+                                  <m:t>𝜃</m:t>
+                                </m:r>
+                                <m:r>
+                                  <a:rPr lang="nl-NL" b="0" i="1" smtClean="0">
+                                    <a:latin typeface="Cambria Math" panose="02040503050406030204" pitchFamily="18" charset="0"/>
+                                    <a:ea typeface="Cambria Math" panose="02040503050406030204" pitchFamily="18" charset="0"/>
+                                  </a:rPr>
+                                  <m:t>, </m:t>
+                                </m:r>
+                                <m:r>
+                                  <a:rPr lang="nl-NL" b="0" i="1" smtClean="0">
+                                    <a:latin typeface="Cambria Math" panose="02040503050406030204" pitchFamily="18" charset="0"/>
+                                    <a:ea typeface="Cambria Math" panose="02040503050406030204" pitchFamily="18" charset="0"/>
+                                  </a:rPr>
+                                  <m:t>𝜔</m:t>
+                                </m:r>
+                              </m:oMath>
+                            </m:oMathPara>
+                          </a14:m>
+                          <a:endParaRPr lang="es-ES_tradnl" dirty="0"/>
+                        </a:p>
+                      </a:txBody>
+                      <a:tcPr/>
+                    </a:tc>
+                    <a:extLst>
+                      <a:ext uri="{0D108BD9-81ED-4DB2-BD59-A6C34878D82A}">
+                        <a16:rowId xmlns:a16="http://schemas.microsoft.com/office/drawing/2014/main" val="3066057229"/>
+                      </a:ext>
+                    </a:extLst>
+                  </a:tr>
+                </a:tbl>
+              </a:graphicData>
+            </a:graphic>
+          </p:graphicFrame>
+        </mc:Choice>
+        <mc:Fallback xmlns="">
+          <p:graphicFrame>
+            <p:nvGraphicFramePr>
+              <p:cNvPr id="7" name="Tableau 46">
+                <a:extLst>
+                  <a:ext uri="{FF2B5EF4-FFF2-40B4-BE49-F238E27FC236}">
+                    <a16:creationId xmlns:a16="http://schemas.microsoft.com/office/drawing/2014/main" id="{4986AB3F-D855-A780-D017-D58C10E39E3E}"/>
+                  </a:ext>
+                </a:extLst>
+              </p:cNvPr>
+              <p:cNvGraphicFramePr>
+                <a:graphicFrameLocks noGrp="1"/>
+              </p:cNvGraphicFramePr>
+              <p:nvPr>
+                <p:extLst>
+                  <p:ext uri="{D42A27DB-BD31-4B8C-83A1-F6EECF244321}">
+                    <p14:modId xmlns:p14="http://schemas.microsoft.com/office/powerpoint/2010/main" val="3018166706"/>
+                  </p:ext>
+                </p:extLst>
+              </p:nvPr>
+            </p:nvGraphicFramePr>
+            <p:xfrm>
+              <a:off x="3906980" y="897182"/>
+              <a:ext cx="2527714" cy="610553"/>
+            </p:xfrm>
+            <a:graphic>
+              <a:graphicData uri="http://schemas.openxmlformats.org/drawingml/2006/table">
+                <a:tbl>
+                  <a:tblPr firstRow="1" bandRow="1">
+                    <a:tableStyleId>{5C22544A-7EE6-4342-B048-85BDC9FD1C3A}</a:tableStyleId>
+                  </a:tblPr>
+                  <a:tblGrid>
+                    <a:gridCol w="1136713">
+                      <a:extLst>
+                        <a:ext uri="{9D8B030D-6E8A-4147-A177-3AD203B41FA5}">
+                          <a16:colId xmlns:a16="http://schemas.microsoft.com/office/drawing/2014/main" val="498656244"/>
+                        </a:ext>
+                      </a:extLst>
+                    </a:gridCol>
+                    <a:gridCol w="1391001">
+                      <a:extLst>
+                        <a:ext uri="{9D8B030D-6E8A-4147-A177-3AD203B41FA5}">
+                          <a16:colId xmlns:a16="http://schemas.microsoft.com/office/drawing/2014/main" val="2972384606"/>
+                        </a:ext>
+                      </a:extLst>
+                    </a:gridCol>
+                  </a:tblGrid>
+                  <a:tr h="297180">
+                    <a:tc>
+                      <a:txBody>
+                        <a:bodyPr/>
+                        <a:lstStyle/>
+                        <a:p>
+                          <a:r>
+                            <a:rPr lang="es-ES_tradnl" dirty="0"/>
+                            <a:t>Pose KF</a:t>
+                          </a:r>
+                        </a:p>
+                      </a:txBody>
+                      <a:tcPr/>
+                    </a:tc>
+                    <a:tc>
+                      <a:txBody>
+                        <a:bodyPr/>
+                        <a:lstStyle/>
+                        <a:p>
+                          <a:r>
+                            <a:rPr lang="es-ES_tradnl" dirty="0" err="1"/>
+                            <a:t>Orientation</a:t>
+                          </a:r>
+                          <a:r>
+                            <a:rPr lang="es-ES_tradnl" dirty="0"/>
+                            <a:t> KF</a:t>
+                          </a:r>
+                        </a:p>
+                      </a:txBody>
+                      <a:tcPr/>
+                    </a:tc>
+                    <a:extLst>
+                      <a:ext uri="{0D108BD9-81ED-4DB2-BD59-A6C34878D82A}">
+                        <a16:rowId xmlns:a16="http://schemas.microsoft.com/office/drawing/2014/main" val="1070570282"/>
+                      </a:ext>
+                    </a:extLst>
+                  </a:tr>
+                  <a:tr h="313373">
+                    <a:tc>
+                      <a:txBody>
+                        <a:bodyPr/>
+                        <a:lstStyle/>
+                        <a:p>
+                          <a:endParaRPr lang="nl-BE"/>
+                        </a:p>
+                      </a:txBody>
+                      <a:tcPr>
+                        <a:blipFill>
+                          <a:blip r:embed="rId3"/>
+                          <a:stretch>
+                            <a:fillRect l="-535" t="-96154" r="-124599" b="-3846"/>
+                          </a:stretch>
+                        </a:blipFill>
+                      </a:tcPr>
+                    </a:tc>
+                    <a:tc>
+                      <a:txBody>
+                        <a:bodyPr/>
+                        <a:lstStyle/>
+                        <a:p>
+                          <a:endParaRPr lang="nl-BE"/>
+                        </a:p>
+                      </a:txBody>
+                      <a:tcPr>
+                        <a:blipFill>
+                          <a:blip r:embed="rId3"/>
+                          <a:stretch>
+                            <a:fillRect l="-82096" t="-96154" r="-1747" b="-3846"/>
+                          </a:stretch>
+                        </a:blipFill>
+                      </a:tcPr>
+                    </a:tc>
+                    <a:extLst>
+                      <a:ext uri="{0D108BD9-81ED-4DB2-BD59-A6C34878D82A}">
+                        <a16:rowId xmlns:a16="http://schemas.microsoft.com/office/drawing/2014/main" val="3066057229"/>
+                      </a:ext>
+                    </a:extLst>
+                  </a:tr>
+                </a:tbl>
+              </a:graphicData>
+            </a:graphic>
+          </p:graphicFrame>
+        </mc:Fallback>
+      </mc:AlternateContent>
+      <mc:AlternateContent xmlns:mc="http://schemas.openxmlformats.org/markup-compatibility/2006" xmlns:a14="http://schemas.microsoft.com/office/drawing/2010/main">
+        <mc:Choice Requires="a14">
+          <p:graphicFrame>
+            <p:nvGraphicFramePr>
+              <p:cNvPr id="10" name="Tableau 46">
+                <a:extLst>
+                  <a:ext uri="{FF2B5EF4-FFF2-40B4-BE49-F238E27FC236}">
+                    <a16:creationId xmlns:a16="http://schemas.microsoft.com/office/drawing/2014/main" id="{FABF8793-6AB1-A2A8-E9C6-D231A0915F15}"/>
+                  </a:ext>
+                </a:extLst>
+              </p:cNvPr>
+              <p:cNvGraphicFramePr>
+                <a:graphicFrameLocks noGrp="1"/>
+              </p:cNvGraphicFramePr>
+              <p:nvPr/>
+            </p:nvGraphicFramePr>
+            <p:xfrm>
+              <a:off x="3906981" y="1963882"/>
+              <a:ext cx="2527713" cy="594360"/>
+            </p:xfrm>
+            <a:graphic>
+              <a:graphicData uri="http://schemas.openxmlformats.org/drawingml/2006/table">
+                <a:tbl>
+                  <a:tblPr firstRow="1" bandRow="1">
+                    <a:tableStyleId>{5C22544A-7EE6-4342-B048-85BDC9FD1C3A}</a:tableStyleId>
+                  </a:tblPr>
+                  <a:tblGrid>
+                    <a:gridCol w="1047404">
+                      <a:extLst>
+                        <a:ext uri="{9D8B030D-6E8A-4147-A177-3AD203B41FA5}">
+                          <a16:colId xmlns:a16="http://schemas.microsoft.com/office/drawing/2014/main" val="498656244"/>
+                        </a:ext>
+                      </a:extLst>
+                    </a:gridCol>
+                    <a:gridCol w="1480309">
+                      <a:extLst>
+                        <a:ext uri="{9D8B030D-6E8A-4147-A177-3AD203B41FA5}">
+                          <a16:colId xmlns:a16="http://schemas.microsoft.com/office/drawing/2014/main" val="2972384606"/>
+                        </a:ext>
+                      </a:extLst>
+                    </a:gridCol>
+                  </a:tblGrid>
+                  <a:tr h="0">
+                    <a:tc>
+                      <a:txBody>
+                        <a:bodyPr/>
+                        <a:lstStyle/>
+                        <a:p>
+                          <a:r>
+                            <a:rPr lang="es-ES_tradnl" dirty="0"/>
+                            <a:t>Pose KF</a:t>
+                          </a:r>
+                        </a:p>
+                      </a:txBody>
+                      <a:tcPr/>
+                    </a:tc>
+                    <a:tc>
+                      <a:txBody>
+                        <a:bodyPr/>
+                        <a:lstStyle/>
+                        <a:p>
+                          <a:r>
+                            <a:rPr lang="es-ES_tradnl" dirty="0" err="1"/>
+                            <a:t>Orientation</a:t>
+                          </a:r>
+                          <a:r>
+                            <a:rPr lang="es-ES_tradnl" dirty="0"/>
+                            <a:t> KF</a:t>
+                          </a:r>
+                        </a:p>
+                      </a:txBody>
+                      <a:tcPr/>
+                    </a:tc>
+                    <a:extLst>
+                      <a:ext uri="{0D108BD9-81ED-4DB2-BD59-A6C34878D82A}">
+                        <a16:rowId xmlns:a16="http://schemas.microsoft.com/office/drawing/2014/main" val="1070570282"/>
+                      </a:ext>
+                    </a:extLst>
+                  </a:tr>
+                  <a:tr h="0">
+                    <a:tc>
+                      <a:txBody>
+                        <a:bodyPr/>
+                        <a:lstStyle/>
+                        <a:p>
+                          <a:pPr marL="0" marR="0" lvl="0" indent="0" algn="ctr" defTabSz="685800" rtl="0" eaLnBrk="1" fontAlgn="auto" latinLnBrk="0" hangingPunct="1">
+                            <a:lnSpc>
+                              <a:spcPct val="100000"/>
+                            </a:lnSpc>
+                            <a:spcBef>
+                              <a:spcPts val="0"/>
+                            </a:spcBef>
+                            <a:spcAft>
+                              <a:spcPts val="0"/>
+                            </a:spcAft>
+                            <a:buClrTx/>
+                            <a:buSzTx/>
+                            <a:buFontTx/>
+                            <a:buNone/>
+                            <a:tabLst/>
+                            <a:defRPr/>
+                          </a:pPr>
+                          <a14:m>
+                            <m:oMathPara xmlns:m="http://schemas.openxmlformats.org/officeDocument/2006/math">
+                              <m:oMathParaPr>
+                                <m:jc m:val="centerGroup"/>
+                              </m:oMathParaPr>
+                              <m:oMath xmlns:m="http://schemas.openxmlformats.org/officeDocument/2006/math">
+                                <m:r>
+                                  <a:rPr lang="nl-NL" b="0" i="1" smtClean="0">
+                                    <a:latin typeface="Cambria Math" panose="02040503050406030204" pitchFamily="18" charset="0"/>
+                                  </a:rPr>
+                                  <m:t>(</m:t>
+                                </m:r>
+                                <m:sSub>
+                                  <m:sSubPr>
+                                    <m:ctrlPr>
+                                      <a:rPr lang="nl-NL" b="0" i="1" smtClean="0">
+                                        <a:latin typeface="Cambria Math" panose="02040503050406030204" pitchFamily="18" charset="0"/>
+                                      </a:rPr>
+                                    </m:ctrlPr>
+                                  </m:sSubPr>
+                                  <m:e>
+                                    <m:r>
+                                      <a:rPr lang="nl-NL" b="0" i="1" smtClean="0">
+                                        <a:latin typeface="Cambria Math" panose="02040503050406030204" pitchFamily="18" charset="0"/>
+                                      </a:rPr>
+                                      <m:t>𝑥</m:t>
+                                    </m:r>
+                                  </m:e>
+                                  <m:sub>
+                                    <m:r>
+                                      <a:rPr lang="nl-NL" b="0" i="1" smtClean="0">
+                                        <a:latin typeface="Cambria Math" panose="02040503050406030204" pitchFamily="18" charset="0"/>
+                                      </a:rPr>
+                                      <m:t>0</m:t>
+                                    </m:r>
+                                  </m:sub>
+                                </m:sSub>
+                                <m:r>
+                                  <a:rPr lang="nl-NL" b="0" i="1" smtClean="0">
+                                    <a:latin typeface="Cambria Math" panose="02040503050406030204" pitchFamily="18" charset="0"/>
+                                  </a:rPr>
+                                  <m:t>, </m:t>
+                                </m:r>
+                                <m:sSub>
+                                  <m:sSubPr>
+                                    <m:ctrlPr>
+                                      <a:rPr lang="nl-NL" b="0" i="1" smtClean="0">
+                                        <a:latin typeface="Cambria Math" panose="02040503050406030204" pitchFamily="18" charset="0"/>
+                                      </a:rPr>
+                                    </m:ctrlPr>
+                                  </m:sSubPr>
+                                  <m:e>
+                                    <m:r>
+                                      <a:rPr lang="nl-NL" b="0" i="1" smtClean="0">
+                                        <a:latin typeface="Cambria Math" panose="02040503050406030204" pitchFamily="18" charset="0"/>
+                                      </a:rPr>
+                                      <m:t>𝑦</m:t>
+                                    </m:r>
+                                  </m:e>
+                                  <m:sub>
+                                    <m:r>
+                                      <a:rPr lang="nl-NL" b="0" i="1" smtClean="0">
+                                        <a:latin typeface="Cambria Math" panose="02040503050406030204" pitchFamily="18" charset="0"/>
+                                      </a:rPr>
+                                      <m:t>0</m:t>
+                                    </m:r>
+                                  </m:sub>
+                                </m:sSub>
+                                <m:r>
+                                  <a:rPr lang="nl-NL" b="0" i="1" smtClean="0">
+                                    <a:latin typeface="Cambria Math" panose="02040503050406030204" pitchFamily="18" charset="0"/>
+                                  </a:rPr>
+                                  <m:t>, 0, 0)</m:t>
+                                </m:r>
+                              </m:oMath>
+                            </m:oMathPara>
+                          </a14:m>
+                          <a:endParaRPr lang="es-ES_tradnl" dirty="0"/>
+                        </a:p>
+                      </a:txBody>
+                      <a:tcPr/>
+                    </a:tc>
+                    <a:tc>
+                      <a:txBody>
+                        <a:bodyPr/>
+                        <a:lstStyle/>
+                        <a:p>
+                          <a:pPr marL="0" marR="0" lvl="0" indent="0" algn="ctr" defTabSz="685800" rtl="0" eaLnBrk="1" fontAlgn="auto" latinLnBrk="0" hangingPunct="1">
+                            <a:lnSpc>
+                              <a:spcPct val="100000"/>
+                            </a:lnSpc>
+                            <a:spcBef>
+                              <a:spcPts val="0"/>
+                            </a:spcBef>
+                            <a:spcAft>
+                              <a:spcPts val="0"/>
+                            </a:spcAft>
+                            <a:buClrTx/>
+                            <a:buSzTx/>
+                            <a:buFontTx/>
+                            <a:buNone/>
+                            <a:tabLst/>
+                            <a:defRPr/>
+                          </a:pPr>
+                          <a14:m>
+                            <m:oMathPara xmlns:m="http://schemas.openxmlformats.org/officeDocument/2006/math">
+                              <m:oMathParaPr>
+                                <m:jc m:val="centerGroup"/>
+                              </m:oMathParaPr>
+                              <m:oMath xmlns:m="http://schemas.openxmlformats.org/officeDocument/2006/math">
+                                <m:r>
+                                  <a:rPr lang="nl-NL" b="0" i="1" smtClean="0">
+                                    <a:latin typeface="Cambria Math" panose="02040503050406030204" pitchFamily="18" charset="0"/>
+                                  </a:rPr>
+                                  <m:t>(</m:t>
+                                </m:r>
+                                <m:sSub>
+                                  <m:sSubPr>
+                                    <m:ctrlPr>
+                                      <a:rPr lang="nl-NL" b="0" i="1" smtClean="0">
+                                        <a:latin typeface="Cambria Math" panose="02040503050406030204" pitchFamily="18" charset="0"/>
+                                      </a:rPr>
+                                    </m:ctrlPr>
+                                  </m:sSubPr>
+                                  <m:e>
+                                    <m:r>
+                                      <a:rPr lang="nl-NL" b="0" i="1" smtClean="0">
+                                        <a:latin typeface="Cambria Math" panose="02040503050406030204" pitchFamily="18" charset="0"/>
+                                        <a:ea typeface="Cambria Math" panose="02040503050406030204" pitchFamily="18" charset="0"/>
+                                      </a:rPr>
+                                      <m:t>𝜔</m:t>
+                                    </m:r>
+                                  </m:e>
+                                  <m:sub>
+                                    <m:r>
+                                      <a:rPr lang="nl-NL" b="0" i="1" smtClean="0">
+                                        <a:latin typeface="Cambria Math" panose="02040503050406030204" pitchFamily="18" charset="0"/>
+                                      </a:rPr>
+                                      <m:t>0</m:t>
+                                    </m:r>
+                                  </m:sub>
+                                </m:sSub>
+                                <m:r>
+                                  <a:rPr lang="nl-NL" b="0" i="1" smtClean="0">
+                                    <a:latin typeface="Cambria Math" panose="02040503050406030204" pitchFamily="18" charset="0"/>
+                                  </a:rPr>
+                                  <m:t>,0)</m:t>
+                                </m:r>
+                              </m:oMath>
+                            </m:oMathPara>
+                          </a14:m>
+                          <a:endParaRPr lang="es-ES_tradnl" dirty="0"/>
+                        </a:p>
+                      </a:txBody>
+                      <a:tcPr/>
+                    </a:tc>
+                    <a:extLst>
+                      <a:ext uri="{0D108BD9-81ED-4DB2-BD59-A6C34878D82A}">
+                        <a16:rowId xmlns:a16="http://schemas.microsoft.com/office/drawing/2014/main" val="3066057229"/>
+                      </a:ext>
+                    </a:extLst>
+                  </a:tr>
+                </a:tbl>
+              </a:graphicData>
+            </a:graphic>
+          </p:graphicFrame>
+        </mc:Choice>
+        <mc:Fallback xmlns="">
+          <p:graphicFrame>
+            <p:nvGraphicFramePr>
+              <p:cNvPr id="10" name="Tableau 46">
+                <a:extLst>
+                  <a:ext uri="{FF2B5EF4-FFF2-40B4-BE49-F238E27FC236}">
+                    <a16:creationId xmlns:a16="http://schemas.microsoft.com/office/drawing/2014/main" id="{FABF8793-6AB1-A2A8-E9C6-D231A0915F15}"/>
+                  </a:ext>
+                </a:extLst>
+              </p:cNvPr>
+              <p:cNvGraphicFramePr>
+                <a:graphicFrameLocks noGrp="1"/>
+              </p:cNvGraphicFramePr>
+              <p:nvPr>
+                <p:extLst>
+                  <p:ext uri="{D42A27DB-BD31-4B8C-83A1-F6EECF244321}">
+                    <p14:modId xmlns:p14="http://schemas.microsoft.com/office/powerpoint/2010/main" val="2762759800"/>
+                  </p:ext>
+                </p:extLst>
+              </p:nvPr>
+            </p:nvGraphicFramePr>
+            <p:xfrm>
+              <a:off x="3906981" y="1963882"/>
+              <a:ext cx="2527713" cy="594360"/>
+            </p:xfrm>
+            <a:graphic>
+              <a:graphicData uri="http://schemas.openxmlformats.org/drawingml/2006/table">
+                <a:tbl>
+                  <a:tblPr firstRow="1" bandRow="1">
+                    <a:tableStyleId>{5C22544A-7EE6-4342-B048-85BDC9FD1C3A}</a:tableStyleId>
+                  </a:tblPr>
+                  <a:tblGrid>
+                    <a:gridCol w="1047404">
+                      <a:extLst>
+                        <a:ext uri="{9D8B030D-6E8A-4147-A177-3AD203B41FA5}">
+                          <a16:colId xmlns:a16="http://schemas.microsoft.com/office/drawing/2014/main" val="498656244"/>
+                        </a:ext>
+                      </a:extLst>
+                    </a:gridCol>
+                    <a:gridCol w="1480309">
+                      <a:extLst>
+                        <a:ext uri="{9D8B030D-6E8A-4147-A177-3AD203B41FA5}">
+                          <a16:colId xmlns:a16="http://schemas.microsoft.com/office/drawing/2014/main" val="2972384606"/>
+                        </a:ext>
+                      </a:extLst>
+                    </a:gridCol>
+                  </a:tblGrid>
+                  <a:tr h="297180">
+                    <a:tc>
+                      <a:txBody>
+                        <a:bodyPr/>
+                        <a:lstStyle/>
+                        <a:p>
+                          <a:r>
+                            <a:rPr lang="es-ES_tradnl" dirty="0"/>
+                            <a:t>Pose KF</a:t>
+                          </a:r>
+                        </a:p>
+                      </a:txBody>
+                      <a:tcPr/>
+                    </a:tc>
+                    <a:tc>
+                      <a:txBody>
+                        <a:bodyPr/>
+                        <a:lstStyle/>
+                        <a:p>
+                          <a:r>
+                            <a:rPr lang="es-ES_tradnl" dirty="0" err="1"/>
+                            <a:t>Orientation</a:t>
+                          </a:r>
+                          <a:r>
+                            <a:rPr lang="es-ES_tradnl" dirty="0"/>
+                            <a:t> KF</a:t>
+                          </a:r>
+                        </a:p>
+                      </a:txBody>
+                      <a:tcPr/>
+                    </a:tc>
+                    <a:extLst>
+                      <a:ext uri="{0D108BD9-81ED-4DB2-BD59-A6C34878D82A}">
+                        <a16:rowId xmlns:a16="http://schemas.microsoft.com/office/drawing/2014/main" val="1070570282"/>
+                      </a:ext>
+                    </a:extLst>
+                  </a:tr>
+                  <a:tr h="297180">
+                    <a:tc>
+                      <a:txBody>
+                        <a:bodyPr/>
+                        <a:lstStyle/>
+                        <a:p>
+                          <a:endParaRPr lang="nl-BE"/>
+                        </a:p>
+                      </a:txBody>
+                      <a:tcPr>
+                        <a:blipFill>
+                          <a:blip r:embed="rId4"/>
+                          <a:stretch>
+                            <a:fillRect l="-581" t="-102041" r="-144186" b="-10204"/>
+                          </a:stretch>
+                        </a:blipFill>
+                      </a:tcPr>
+                    </a:tc>
+                    <a:tc>
+                      <a:txBody>
+                        <a:bodyPr/>
+                        <a:lstStyle/>
+                        <a:p>
+                          <a:endParaRPr lang="nl-BE"/>
+                        </a:p>
+                      </a:txBody>
+                      <a:tcPr>
+                        <a:blipFill>
+                          <a:blip r:embed="rId4"/>
+                          <a:stretch>
+                            <a:fillRect l="-70902" t="-102041" r="-1639" b="-10204"/>
+                          </a:stretch>
+                        </a:blipFill>
+                      </a:tcPr>
+                    </a:tc>
+                    <a:extLst>
+                      <a:ext uri="{0D108BD9-81ED-4DB2-BD59-A6C34878D82A}">
+                        <a16:rowId xmlns:a16="http://schemas.microsoft.com/office/drawing/2014/main" val="3066057229"/>
+                      </a:ext>
+                    </a:extLst>
+                  </a:tr>
+                </a:tbl>
+              </a:graphicData>
+            </a:graphic>
+          </p:graphicFrame>
+        </mc:Fallback>
+      </mc:AlternateContent>
+      <p:cxnSp>
+        <p:nvCxnSpPr>
+          <p:cNvPr id="13" name="Rechte verbindingslijn met pijl 12">
+            <a:extLst>
+              <a:ext uri="{FF2B5EF4-FFF2-40B4-BE49-F238E27FC236}">
+                <a16:creationId xmlns:a16="http://schemas.microsoft.com/office/drawing/2014/main" id="{C59C1CE4-B78B-F2B1-05CE-AF2C9CD2447B}"/>
+              </a:ext>
+            </a:extLst>
+          </p:cNvPr>
+          <p:cNvCxnSpPr>
+            <a:cxnSpLocks/>
+          </p:cNvCxnSpPr>
+          <p:nvPr/>
+        </p:nvCxnSpPr>
+        <p:spPr>
+          <a:xfrm>
+            <a:off x="3269741" y="2348823"/>
+            <a:ext cx="498765" cy="0"/>
+          </a:xfrm>
+          <a:prstGeom prst="straightConnector1">
+            <a:avLst/>
+          </a:prstGeom>
+          <a:ln>
+            <a:tailEnd type="triangle"/>
+          </a:ln>
+        </p:spPr>
+        <p:style>
+          <a:lnRef idx="1">
+            <a:schemeClr val="accent1"/>
+          </a:lnRef>
+          <a:fillRef idx="0">
+            <a:schemeClr val="accent1"/>
+          </a:fillRef>
+          <a:effectRef idx="0">
+            <a:schemeClr val="accent1"/>
+          </a:effectRef>
+          <a:fontRef idx="minor">
+            <a:schemeClr val="tx1"/>
+          </a:fontRef>
+        </p:style>
+      </p:cxnSp>
+      <p:sp>
+        <p:nvSpPr>
+          <p:cNvPr id="19" name="Tekstvak 18">
+            <a:extLst>
+              <a:ext uri="{FF2B5EF4-FFF2-40B4-BE49-F238E27FC236}">
+                <a16:creationId xmlns:a16="http://schemas.microsoft.com/office/drawing/2014/main" id="{D608806D-9241-B6D1-465A-AA14657B3654}"/>
+              </a:ext>
+            </a:extLst>
+          </p:cNvPr>
+          <p:cNvSpPr txBox="1"/>
+          <p:nvPr/>
+        </p:nvSpPr>
+        <p:spPr>
+          <a:xfrm>
+            <a:off x="2364010" y="2172097"/>
+            <a:ext cx="1045479" cy="430887"/>
+          </a:xfrm>
+          <a:prstGeom prst="rect">
+            <a:avLst/>
+          </a:prstGeom>
+          <a:noFill/>
+        </p:spPr>
+        <p:txBody>
+          <a:bodyPr wrap="none" rtlCol="0">
+            <a:spAutoFit/>
+          </a:bodyPr>
+          <a:lstStyle/>
+          <a:p>
+            <a:r>
+              <a:rPr lang="nl-NL" sz="1100" dirty="0"/>
+              <a:t>From </a:t>
+            </a:r>
+            <a:r>
+              <a:rPr lang="nl-NL" sz="1100" dirty="0" err="1"/>
+              <a:t>vision</a:t>
+            </a:r>
+            <a:endParaRPr lang="nl-NL" sz="1100" dirty="0"/>
+          </a:p>
+          <a:p>
+            <a:r>
+              <a:rPr lang="nl-NL" sz="1100" dirty="0" err="1"/>
+              <a:t>measurement</a:t>
+            </a:r>
+            <a:endParaRPr lang="nl-BE" dirty="0"/>
+          </a:p>
+        </p:txBody>
+      </p:sp>
+      <p:sp>
+        <p:nvSpPr>
+          <p:cNvPr id="23" name="ZoneTexte 79">
+            <a:extLst>
+              <a:ext uri="{FF2B5EF4-FFF2-40B4-BE49-F238E27FC236}">
+                <a16:creationId xmlns:a16="http://schemas.microsoft.com/office/drawing/2014/main" id="{4803B67B-77A4-251E-025B-7450888B281D}"/>
+              </a:ext>
+            </a:extLst>
+          </p:cNvPr>
+          <p:cNvSpPr txBox="1"/>
+          <p:nvPr/>
+        </p:nvSpPr>
+        <p:spPr>
+          <a:xfrm>
+            <a:off x="650625" y="2598982"/>
+            <a:ext cx="1585499" cy="300082"/>
+          </a:xfrm>
+          <a:prstGeom prst="rect">
+            <a:avLst/>
+          </a:prstGeom>
+          <a:noFill/>
+        </p:spPr>
+        <p:txBody>
+          <a:bodyPr wrap="square" rtlCol="0">
+            <a:spAutoFit/>
+          </a:bodyPr>
+          <a:lstStyle/>
+          <a:p>
+            <a:r>
+              <a:rPr lang="en-GB" b="1" dirty="0"/>
+              <a:t>Next estimate</a:t>
+            </a:r>
+          </a:p>
+        </p:txBody>
+      </p:sp>
+      <p:sp>
+        <p:nvSpPr>
+          <p:cNvPr id="25" name="ZoneTexte 79">
+            <a:extLst>
+              <a:ext uri="{FF2B5EF4-FFF2-40B4-BE49-F238E27FC236}">
+                <a16:creationId xmlns:a16="http://schemas.microsoft.com/office/drawing/2014/main" id="{275068EC-A84F-B8F6-6846-70EFDA2B554F}"/>
+              </a:ext>
+            </a:extLst>
+          </p:cNvPr>
+          <p:cNvSpPr txBox="1"/>
+          <p:nvPr/>
+        </p:nvSpPr>
+        <p:spPr>
+          <a:xfrm>
+            <a:off x="866757" y="2902187"/>
+            <a:ext cx="1585499" cy="261610"/>
+          </a:xfrm>
+          <a:prstGeom prst="rect">
+            <a:avLst/>
+          </a:prstGeom>
+          <a:noFill/>
+        </p:spPr>
+        <p:txBody>
+          <a:bodyPr wrap="square" rtlCol="0">
+            <a:spAutoFit/>
+          </a:bodyPr>
+          <a:lstStyle/>
+          <a:p>
+            <a:r>
+              <a:rPr lang="en-GB" sz="1100" b="1" dirty="0"/>
+              <a:t>- Prediction step</a:t>
+            </a:r>
+          </a:p>
+        </p:txBody>
+      </p:sp>
+      <p:sp>
+        <p:nvSpPr>
+          <p:cNvPr id="27" name="ZoneTexte 79">
+            <a:extLst>
+              <a:ext uri="{FF2B5EF4-FFF2-40B4-BE49-F238E27FC236}">
+                <a16:creationId xmlns:a16="http://schemas.microsoft.com/office/drawing/2014/main" id="{F8AF4932-DA66-DFB6-2DD4-217CF021E595}"/>
+              </a:ext>
+            </a:extLst>
+          </p:cNvPr>
+          <p:cNvSpPr txBox="1"/>
+          <p:nvPr/>
+        </p:nvSpPr>
+        <p:spPr>
+          <a:xfrm>
+            <a:off x="866756" y="3762203"/>
+            <a:ext cx="1585499" cy="261610"/>
+          </a:xfrm>
+          <a:prstGeom prst="rect">
+            <a:avLst/>
+          </a:prstGeom>
+          <a:noFill/>
+        </p:spPr>
+        <p:txBody>
+          <a:bodyPr wrap="square" rtlCol="0">
+            <a:spAutoFit/>
+          </a:bodyPr>
+          <a:lstStyle/>
+          <a:p>
+            <a:r>
+              <a:rPr lang="en-GB" sz="1100" b="1" dirty="0"/>
+              <a:t>- Update step</a:t>
+            </a:r>
+          </a:p>
+        </p:txBody>
+      </p:sp>
+      <mc:AlternateContent xmlns:mc="http://schemas.openxmlformats.org/markup-compatibility/2006" xmlns:a14="http://schemas.microsoft.com/office/drawing/2010/main">
+        <mc:Choice Requires="a14">
+          <p:graphicFrame>
+            <p:nvGraphicFramePr>
+              <p:cNvPr id="28" name="Tableau 46">
+                <a:extLst>
+                  <a:ext uri="{FF2B5EF4-FFF2-40B4-BE49-F238E27FC236}">
+                    <a16:creationId xmlns:a16="http://schemas.microsoft.com/office/drawing/2014/main" id="{6A8C82A0-34AC-83A0-C78F-E6C6AF1C13AE}"/>
+                  </a:ext>
+                </a:extLst>
+              </p:cNvPr>
+              <p:cNvGraphicFramePr>
+                <a:graphicFrameLocks noGrp="1"/>
+              </p:cNvGraphicFramePr>
+              <p:nvPr/>
+            </p:nvGraphicFramePr>
+            <p:xfrm>
+              <a:off x="3906982" y="3167843"/>
+              <a:ext cx="2527713" cy="594360"/>
+            </p:xfrm>
+            <a:graphic>
+              <a:graphicData uri="http://schemas.openxmlformats.org/drawingml/2006/table">
+                <a:tbl>
+                  <a:tblPr firstRow="1" bandRow="1">
+                    <a:tableStyleId>{5C22544A-7EE6-4342-B048-85BDC9FD1C3A}</a:tableStyleId>
+                  </a:tblPr>
+                  <a:tblGrid>
+                    <a:gridCol w="1039091">
+                      <a:extLst>
+                        <a:ext uri="{9D8B030D-6E8A-4147-A177-3AD203B41FA5}">
+                          <a16:colId xmlns:a16="http://schemas.microsoft.com/office/drawing/2014/main" val="498656244"/>
+                        </a:ext>
+                      </a:extLst>
+                    </a:gridCol>
+                    <a:gridCol w="1488622">
+                      <a:extLst>
+                        <a:ext uri="{9D8B030D-6E8A-4147-A177-3AD203B41FA5}">
+                          <a16:colId xmlns:a16="http://schemas.microsoft.com/office/drawing/2014/main" val="2972384606"/>
+                        </a:ext>
+                      </a:extLst>
+                    </a:gridCol>
+                  </a:tblGrid>
+                  <a:tr h="0">
+                    <a:tc>
+                      <a:txBody>
+                        <a:bodyPr/>
+                        <a:lstStyle/>
+                        <a:p>
+                          <a:r>
+                            <a:rPr lang="es-ES_tradnl" dirty="0"/>
+                            <a:t>Pose KF</a:t>
+                          </a:r>
+                        </a:p>
+                      </a:txBody>
+                      <a:tcPr/>
+                    </a:tc>
+                    <a:tc>
+                      <a:txBody>
+                        <a:bodyPr/>
+                        <a:lstStyle/>
+                        <a:p>
+                          <a:r>
+                            <a:rPr lang="es-ES_tradnl" dirty="0" err="1"/>
+                            <a:t>Orientation</a:t>
+                          </a:r>
+                          <a:r>
+                            <a:rPr lang="es-ES_tradnl" dirty="0"/>
+                            <a:t> KF</a:t>
+                          </a:r>
+                        </a:p>
+                      </a:txBody>
+                      <a:tcPr/>
+                    </a:tc>
+                    <a:extLst>
+                      <a:ext uri="{0D108BD9-81ED-4DB2-BD59-A6C34878D82A}">
+                        <a16:rowId xmlns:a16="http://schemas.microsoft.com/office/drawing/2014/main" val="1070570282"/>
+                      </a:ext>
+                    </a:extLst>
+                  </a:tr>
+                  <a:tr h="0">
+                    <a:tc gridSpan="2">
+                      <a:txBody>
+                        <a:bodyPr/>
+                        <a:lstStyle/>
+                        <a:p>
+                          <a:pPr marL="0" marR="0" lvl="0" indent="0" algn="ctr" defTabSz="685800" rtl="0" eaLnBrk="1" fontAlgn="auto" latinLnBrk="0" hangingPunct="1">
+                            <a:lnSpc>
+                              <a:spcPct val="100000"/>
+                            </a:lnSpc>
+                            <a:spcBef>
+                              <a:spcPts val="0"/>
+                            </a:spcBef>
+                            <a:spcAft>
+                              <a:spcPts val="0"/>
+                            </a:spcAft>
+                            <a:buClrTx/>
+                            <a:buSzTx/>
+                            <a:buFontTx/>
+                            <a:buNone/>
+                            <a:tabLst/>
+                            <a:defRPr/>
+                          </a:pPr>
+                          <a14:m>
+                            <m:oMathPara xmlns:m="http://schemas.openxmlformats.org/officeDocument/2006/math">
+                              <m:oMathParaPr>
+                                <m:jc m:val="centerGroup"/>
+                              </m:oMathParaPr>
+                              <m:oMath xmlns:m="http://schemas.openxmlformats.org/officeDocument/2006/math">
+                                <m:sSub>
+                                  <m:sSubPr>
+                                    <m:ctrlPr>
+                                      <a:rPr lang="es-ES_tradnl" i="1" smtClean="0">
+                                        <a:latin typeface="Cambria Math" panose="02040503050406030204" pitchFamily="18" charset="0"/>
+                                      </a:rPr>
+                                    </m:ctrlPr>
+                                  </m:sSubPr>
+                                  <m:e>
+                                    <m:acc>
+                                      <m:accPr>
+                                        <m:chr m:val="̂"/>
+                                        <m:ctrlPr>
+                                          <a:rPr lang="es-ES_tradnl" i="1" smtClean="0">
+                                            <a:latin typeface="Cambria Math" panose="02040503050406030204" pitchFamily="18" charset="0"/>
+                                          </a:rPr>
+                                        </m:ctrlPr>
+                                      </m:accPr>
+                                      <m:e>
+                                        <m:r>
+                                          <a:rPr lang="nl-NL" b="0" i="1" smtClean="0">
+                                            <a:latin typeface="Cambria Math" panose="02040503050406030204" pitchFamily="18" charset="0"/>
+                                          </a:rPr>
+                                          <m:t>𝑥</m:t>
+                                        </m:r>
+                                      </m:e>
+                                    </m:acc>
+                                  </m:e>
+                                  <m:sub>
+                                    <m:r>
+                                      <a:rPr lang="nl-NL" b="0" i="1" smtClean="0">
+                                        <a:latin typeface="Cambria Math" panose="02040503050406030204" pitchFamily="18" charset="0"/>
+                                      </a:rPr>
+                                      <m:t>𝑘</m:t>
+                                    </m:r>
+                                    <m:r>
+                                      <a:rPr lang="nl-NL" b="0" i="1" smtClean="0">
+                                        <a:latin typeface="Cambria Math" panose="02040503050406030204" pitchFamily="18" charset="0"/>
+                                      </a:rPr>
+                                      <m:t>+1</m:t>
+                                    </m:r>
+                                  </m:sub>
+                                </m:sSub>
+                                <m:r>
+                                  <a:rPr lang="nl-NL" b="0" i="1" smtClean="0">
+                                    <a:latin typeface="Cambria Math" panose="02040503050406030204" pitchFamily="18" charset="0"/>
+                                  </a:rPr>
+                                  <m:t>=</m:t>
+                                </m:r>
+                                <m:r>
+                                  <a:rPr lang="nl-NL" b="0" i="1" smtClean="0">
+                                    <a:latin typeface="Cambria Math" panose="02040503050406030204" pitchFamily="18" charset="0"/>
+                                  </a:rPr>
+                                  <m:t>𝐴</m:t>
+                                </m:r>
+                                <m:sSub>
+                                  <m:sSubPr>
+                                    <m:ctrlPr>
+                                      <a:rPr lang="nl-NL" b="0" i="1" smtClean="0">
+                                        <a:latin typeface="Cambria Math" panose="02040503050406030204" pitchFamily="18" charset="0"/>
+                                      </a:rPr>
+                                    </m:ctrlPr>
+                                  </m:sSubPr>
+                                  <m:e>
+                                    <m:acc>
+                                      <m:accPr>
+                                        <m:chr m:val="̂"/>
+                                        <m:ctrlPr>
+                                          <a:rPr lang="nl-NL" b="0" i="1" smtClean="0">
+                                            <a:latin typeface="Cambria Math" panose="02040503050406030204" pitchFamily="18" charset="0"/>
+                                          </a:rPr>
+                                        </m:ctrlPr>
+                                      </m:accPr>
+                                      <m:e>
+                                        <m:r>
+                                          <a:rPr lang="nl-NL" b="0" i="1" smtClean="0">
+                                            <a:latin typeface="Cambria Math" panose="02040503050406030204" pitchFamily="18" charset="0"/>
+                                          </a:rPr>
+                                          <m:t>𝑥</m:t>
+                                        </m:r>
+                                      </m:e>
+                                    </m:acc>
+                                  </m:e>
+                                  <m:sub>
+                                    <m:r>
+                                      <a:rPr lang="nl-NL" b="0" i="1" smtClean="0">
+                                        <a:latin typeface="Cambria Math" panose="02040503050406030204" pitchFamily="18" charset="0"/>
+                                      </a:rPr>
+                                      <m:t>𝑘</m:t>
+                                    </m:r>
+                                  </m:sub>
+                                </m:sSub>
+                              </m:oMath>
+                            </m:oMathPara>
+                          </a14:m>
+                          <a:endParaRPr lang="es-ES_tradnl" dirty="0"/>
+                        </a:p>
+                      </a:txBody>
+                      <a:tcPr/>
+                    </a:tc>
+                    <a:tc hMerge="1">
+                      <a:txBody>
+                        <a:bodyPr/>
+                        <a:lstStyle/>
+                        <a:p>
+                          <a:pPr marL="0" marR="0" lvl="0" indent="0" algn="ctr" defTabSz="685800" rtl="0" eaLnBrk="1" fontAlgn="auto" latinLnBrk="0" hangingPunct="1">
+                            <a:lnSpc>
+                              <a:spcPct val="100000"/>
+                            </a:lnSpc>
+                            <a:spcBef>
+                              <a:spcPts val="0"/>
+                            </a:spcBef>
+                            <a:spcAft>
+                              <a:spcPts val="0"/>
+                            </a:spcAft>
+                            <a:buClrTx/>
+                            <a:buSzTx/>
+                            <a:buFontTx/>
+                            <a:buNone/>
+                            <a:tabLst/>
+                            <a:defRPr/>
+                          </a:pPr>
+                          <a:endParaRPr lang="es-ES_tradnl" dirty="0"/>
+                        </a:p>
+                      </a:txBody>
+                      <a:tcPr/>
+                    </a:tc>
+                    <a:extLst>
+                      <a:ext uri="{0D108BD9-81ED-4DB2-BD59-A6C34878D82A}">
+                        <a16:rowId xmlns:a16="http://schemas.microsoft.com/office/drawing/2014/main" val="3066057229"/>
+                      </a:ext>
+                    </a:extLst>
+                  </a:tr>
+                </a:tbl>
+              </a:graphicData>
+            </a:graphic>
+          </p:graphicFrame>
+        </mc:Choice>
+        <mc:Fallback xmlns="">
+          <p:graphicFrame>
+            <p:nvGraphicFramePr>
+              <p:cNvPr id="28" name="Tableau 46">
+                <a:extLst>
+                  <a:ext uri="{FF2B5EF4-FFF2-40B4-BE49-F238E27FC236}">
+                    <a16:creationId xmlns:a16="http://schemas.microsoft.com/office/drawing/2014/main" id="{6A8C82A0-34AC-83A0-C78F-E6C6AF1C13AE}"/>
+                  </a:ext>
+                </a:extLst>
+              </p:cNvPr>
+              <p:cNvGraphicFramePr>
+                <a:graphicFrameLocks noGrp="1"/>
+              </p:cNvGraphicFramePr>
+              <p:nvPr>
+                <p:extLst>
+                  <p:ext uri="{D42A27DB-BD31-4B8C-83A1-F6EECF244321}">
+                    <p14:modId xmlns:p14="http://schemas.microsoft.com/office/powerpoint/2010/main" val="1391380483"/>
+                  </p:ext>
+                </p:extLst>
+              </p:nvPr>
+            </p:nvGraphicFramePr>
+            <p:xfrm>
+              <a:off x="3906982" y="3167843"/>
+              <a:ext cx="2527713" cy="594360"/>
+            </p:xfrm>
+            <a:graphic>
+              <a:graphicData uri="http://schemas.openxmlformats.org/drawingml/2006/table">
+                <a:tbl>
+                  <a:tblPr firstRow="1" bandRow="1">
+                    <a:tableStyleId>{5C22544A-7EE6-4342-B048-85BDC9FD1C3A}</a:tableStyleId>
+                  </a:tblPr>
+                  <a:tblGrid>
+                    <a:gridCol w="1039091">
+                      <a:extLst>
+                        <a:ext uri="{9D8B030D-6E8A-4147-A177-3AD203B41FA5}">
+                          <a16:colId xmlns:a16="http://schemas.microsoft.com/office/drawing/2014/main" val="498656244"/>
+                        </a:ext>
+                      </a:extLst>
+                    </a:gridCol>
+                    <a:gridCol w="1488622">
+                      <a:extLst>
+                        <a:ext uri="{9D8B030D-6E8A-4147-A177-3AD203B41FA5}">
+                          <a16:colId xmlns:a16="http://schemas.microsoft.com/office/drawing/2014/main" val="2972384606"/>
+                        </a:ext>
+                      </a:extLst>
+                    </a:gridCol>
+                  </a:tblGrid>
+                  <a:tr h="297180">
+                    <a:tc>
+                      <a:txBody>
+                        <a:bodyPr/>
+                        <a:lstStyle/>
+                        <a:p>
+                          <a:r>
+                            <a:rPr lang="es-ES_tradnl" dirty="0"/>
+                            <a:t>Pose KF</a:t>
+                          </a:r>
+                        </a:p>
+                      </a:txBody>
+                      <a:tcPr/>
+                    </a:tc>
+                    <a:tc>
+                      <a:txBody>
+                        <a:bodyPr/>
+                        <a:lstStyle/>
+                        <a:p>
+                          <a:r>
+                            <a:rPr lang="es-ES_tradnl" dirty="0" err="1"/>
+                            <a:t>Orientation</a:t>
+                          </a:r>
+                          <a:r>
+                            <a:rPr lang="es-ES_tradnl" dirty="0"/>
+                            <a:t> KF</a:t>
+                          </a:r>
+                        </a:p>
+                      </a:txBody>
+                      <a:tcPr/>
+                    </a:tc>
+                    <a:extLst>
+                      <a:ext uri="{0D108BD9-81ED-4DB2-BD59-A6C34878D82A}">
+                        <a16:rowId xmlns:a16="http://schemas.microsoft.com/office/drawing/2014/main" val="1070570282"/>
+                      </a:ext>
+                    </a:extLst>
+                  </a:tr>
+                  <a:tr h="297180">
+                    <a:tc gridSpan="2">
+                      <a:txBody>
+                        <a:bodyPr/>
+                        <a:lstStyle/>
+                        <a:p>
+                          <a:endParaRPr lang="nl-BE"/>
+                        </a:p>
+                      </a:txBody>
+                      <a:tcPr>
+                        <a:blipFill>
+                          <a:blip r:embed="rId5"/>
+                          <a:stretch>
+                            <a:fillRect l="-240" t="-104082" r="-962" b="-4082"/>
+                          </a:stretch>
+                        </a:blipFill>
+                      </a:tcPr>
+                    </a:tc>
+                    <a:tc hMerge="1">
+                      <a:txBody>
+                        <a:bodyPr/>
+                        <a:lstStyle/>
+                        <a:p>
+                          <a:pPr marL="0" marR="0" lvl="0" indent="0" algn="ctr" defTabSz="685800" rtl="0" eaLnBrk="1" fontAlgn="auto" latinLnBrk="0" hangingPunct="1">
+                            <a:lnSpc>
+                              <a:spcPct val="100000"/>
+                            </a:lnSpc>
+                            <a:spcBef>
+                              <a:spcPts val="0"/>
+                            </a:spcBef>
+                            <a:spcAft>
+                              <a:spcPts val="0"/>
+                            </a:spcAft>
+                            <a:buClrTx/>
+                            <a:buSzTx/>
+                            <a:buFontTx/>
+                            <a:buNone/>
+                            <a:tabLst/>
+                            <a:defRPr/>
+                          </a:pPr>
+                          <a:endParaRPr lang="es-ES_tradnl" dirty="0"/>
+                        </a:p>
+                      </a:txBody>
+                      <a:tcPr/>
+                    </a:tc>
+                    <a:extLst>
+                      <a:ext uri="{0D108BD9-81ED-4DB2-BD59-A6C34878D82A}">
+                        <a16:rowId xmlns:a16="http://schemas.microsoft.com/office/drawing/2014/main" val="3066057229"/>
+                      </a:ext>
+                    </a:extLst>
+                  </a:tr>
+                </a:tbl>
+              </a:graphicData>
+            </a:graphic>
+          </p:graphicFrame>
+        </mc:Fallback>
+      </mc:AlternateContent>
+      <mc:AlternateContent xmlns:mc="http://schemas.openxmlformats.org/markup-compatibility/2006" xmlns:a14="http://schemas.microsoft.com/office/drawing/2010/main">
+        <mc:Choice Requires="a14">
+          <p:graphicFrame>
+            <p:nvGraphicFramePr>
+              <p:cNvPr id="2" name="Tableau 46">
+                <a:extLst>
+                  <a:ext uri="{FF2B5EF4-FFF2-40B4-BE49-F238E27FC236}">
+                    <a16:creationId xmlns:a16="http://schemas.microsoft.com/office/drawing/2014/main" id="{0CF1FFCD-38A0-C474-CD4A-46C5587E4061}"/>
+                  </a:ext>
+                </a:extLst>
+              </p:cNvPr>
+              <p:cNvGraphicFramePr>
+                <a:graphicFrameLocks noGrp="1"/>
+              </p:cNvGraphicFramePr>
+              <p:nvPr/>
+            </p:nvGraphicFramePr>
+            <p:xfrm>
+              <a:off x="2576945" y="4010298"/>
+              <a:ext cx="3857750" cy="907733"/>
+            </p:xfrm>
+            <a:graphic>
+              <a:graphicData uri="http://schemas.openxmlformats.org/drawingml/2006/table">
+                <a:tbl>
+                  <a:tblPr firstRow="1" bandRow="1">
+                    <a:tableStyleId>{5C22544A-7EE6-4342-B048-85BDC9FD1C3A}</a:tableStyleId>
+                  </a:tblPr>
+                  <a:tblGrid>
+                    <a:gridCol w="1363930">
+                      <a:extLst>
+                        <a:ext uri="{9D8B030D-6E8A-4147-A177-3AD203B41FA5}">
+                          <a16:colId xmlns:a16="http://schemas.microsoft.com/office/drawing/2014/main" val="2871345755"/>
+                        </a:ext>
+                      </a:extLst>
+                    </a:gridCol>
+                    <a:gridCol w="997527">
+                      <a:extLst>
+                        <a:ext uri="{9D8B030D-6E8A-4147-A177-3AD203B41FA5}">
+                          <a16:colId xmlns:a16="http://schemas.microsoft.com/office/drawing/2014/main" val="498656244"/>
+                        </a:ext>
+                      </a:extLst>
+                    </a:gridCol>
+                    <a:gridCol w="1496293">
+                      <a:extLst>
+                        <a:ext uri="{9D8B030D-6E8A-4147-A177-3AD203B41FA5}">
+                          <a16:colId xmlns:a16="http://schemas.microsoft.com/office/drawing/2014/main" val="2972384606"/>
+                        </a:ext>
+                      </a:extLst>
+                    </a:gridCol>
+                  </a:tblGrid>
+                  <a:tr h="0">
+                    <a:tc>
+                      <a:txBody>
+                        <a:bodyPr/>
+                        <a:lstStyle/>
+                        <a:p>
+                          <a:r>
+                            <a:rPr lang="es-ES_tradnl" dirty="0" err="1"/>
+                            <a:t>measurement</a:t>
+                          </a:r>
+                          <a:endParaRPr lang="es-ES_tradnl" dirty="0"/>
+                        </a:p>
+                      </a:txBody>
+                      <a:tcPr/>
+                    </a:tc>
+                    <a:tc>
+                      <a:txBody>
+                        <a:bodyPr/>
+                        <a:lstStyle/>
+                        <a:p>
+                          <a:r>
+                            <a:rPr lang="es-ES_tradnl" dirty="0"/>
+                            <a:t>Pose KF</a:t>
+                          </a:r>
+                        </a:p>
+                      </a:txBody>
+                      <a:tcPr/>
+                    </a:tc>
+                    <a:tc>
+                      <a:txBody>
+                        <a:bodyPr/>
+                        <a:lstStyle/>
+                        <a:p>
+                          <a:r>
+                            <a:rPr lang="es-ES_tradnl" dirty="0" err="1"/>
+                            <a:t>Orientation</a:t>
+                          </a:r>
+                          <a:r>
+                            <a:rPr lang="es-ES_tradnl" dirty="0"/>
+                            <a:t> KF</a:t>
+                          </a:r>
+                        </a:p>
+                      </a:txBody>
+                      <a:tcPr/>
+                    </a:tc>
+                    <a:extLst>
+                      <a:ext uri="{0D108BD9-81ED-4DB2-BD59-A6C34878D82A}">
+                        <a16:rowId xmlns:a16="http://schemas.microsoft.com/office/drawing/2014/main" val="1070570282"/>
+                      </a:ext>
+                    </a:extLst>
+                  </a:tr>
+                  <a:tr h="0">
+                    <a:tc>
+                      <a:txBody>
+                        <a:bodyPr/>
+                        <a:lstStyle/>
+                        <a:p>
+                          <a:pPr marL="0" marR="0" lvl="0" indent="0" algn="ctr" defTabSz="685800" rtl="0" eaLnBrk="1" fontAlgn="auto" latinLnBrk="0" hangingPunct="1">
+                            <a:lnSpc>
+                              <a:spcPct val="100000"/>
+                            </a:lnSpc>
+                            <a:spcBef>
+                              <a:spcPts val="0"/>
+                            </a:spcBef>
+                            <a:spcAft>
+                              <a:spcPts val="0"/>
+                            </a:spcAft>
+                            <a:buClrTx/>
+                            <a:buSzTx/>
+                            <a:buFontTx/>
+                            <a:buNone/>
+                            <a:tabLst/>
+                            <a:defRPr/>
+                          </a:pPr>
+                          <a:r>
+                            <a:rPr lang="es-ES_tradnl" dirty="0" err="1"/>
+                            <a:t>Vision</a:t>
+                          </a:r>
+                          <a:endParaRPr lang="es-ES_tradnl" dirty="0"/>
+                        </a:p>
+                      </a:txBody>
+                      <a:tcPr/>
+                    </a:tc>
+                    <a:tc>
+                      <a:txBody>
+                        <a:bodyPr/>
+                        <a:lstStyle/>
+                        <a:p>
+                          <a:pPr marL="0" marR="0" lvl="0" indent="0" algn="ctr" defTabSz="685800" rtl="0" eaLnBrk="1" fontAlgn="auto" latinLnBrk="0" hangingPunct="1">
+                            <a:lnSpc>
+                              <a:spcPct val="100000"/>
+                            </a:lnSpc>
+                            <a:spcBef>
+                              <a:spcPts val="0"/>
+                            </a:spcBef>
+                            <a:spcAft>
+                              <a:spcPts val="0"/>
+                            </a:spcAft>
+                            <a:buClrTx/>
+                            <a:buSzTx/>
+                            <a:buFontTx/>
+                            <a:buNone/>
+                            <a:tabLst/>
+                            <a:defRPr/>
+                          </a:pPr>
+                          <a14:m>
+                            <m:oMathPara xmlns:m="http://schemas.openxmlformats.org/officeDocument/2006/math">
+                              <m:oMathParaPr>
+                                <m:jc m:val="centerGroup"/>
+                              </m:oMathParaPr>
+                              <m:oMath xmlns:m="http://schemas.openxmlformats.org/officeDocument/2006/math">
+                                <m:r>
+                                  <a:rPr lang="nl-NL" b="0" i="1" smtClean="0">
+                                    <a:latin typeface="Cambria Math" panose="02040503050406030204" pitchFamily="18" charset="0"/>
+                                  </a:rPr>
+                                  <m:t>𝑥</m:t>
+                                </m:r>
+                                <m:r>
+                                  <a:rPr lang="nl-NL" b="0" i="1" smtClean="0">
+                                    <a:latin typeface="Cambria Math" panose="02040503050406030204" pitchFamily="18" charset="0"/>
+                                  </a:rPr>
+                                  <m:t>,</m:t>
+                                </m:r>
+                                <m:r>
+                                  <a:rPr lang="nl-NL" b="0" i="1" smtClean="0">
+                                    <a:latin typeface="Cambria Math" panose="02040503050406030204" pitchFamily="18" charset="0"/>
+                                  </a:rPr>
+                                  <m:t>𝑦</m:t>
+                                </m:r>
+                              </m:oMath>
+                            </m:oMathPara>
+                          </a14:m>
+                          <a:endParaRPr lang="es-ES_tradnl" dirty="0"/>
+                        </a:p>
+                      </a:txBody>
+                      <a:tcPr/>
+                    </a:tc>
+                    <a:tc>
+                      <a:txBody>
+                        <a:bodyPr/>
+                        <a:lstStyle/>
+                        <a:p>
+                          <a:pPr marL="0" marR="0" lvl="0" indent="0" algn="ctr" defTabSz="685800" rtl="0" eaLnBrk="1" fontAlgn="auto" latinLnBrk="0" hangingPunct="1">
+                            <a:lnSpc>
+                              <a:spcPct val="100000"/>
+                            </a:lnSpc>
+                            <a:spcBef>
+                              <a:spcPts val="0"/>
+                            </a:spcBef>
+                            <a:spcAft>
+                              <a:spcPts val="0"/>
+                            </a:spcAft>
+                            <a:buClrTx/>
+                            <a:buSzTx/>
+                            <a:buFontTx/>
+                            <a:buNone/>
+                            <a:tabLst/>
+                            <a:defRPr/>
+                          </a:pPr>
+                          <a14:m>
+                            <m:oMathPara xmlns:m="http://schemas.openxmlformats.org/officeDocument/2006/math">
+                              <m:oMathParaPr>
+                                <m:jc m:val="centerGroup"/>
+                              </m:oMathParaPr>
+                              <m:oMath xmlns:m="http://schemas.openxmlformats.org/officeDocument/2006/math">
+                                <m:r>
+                                  <a:rPr lang="es-ES_tradnl" i="1" smtClean="0">
+                                    <a:latin typeface="Cambria Math" panose="02040503050406030204" pitchFamily="18" charset="0"/>
+                                    <a:ea typeface="Cambria Math" panose="02040503050406030204" pitchFamily="18" charset="0"/>
+                                  </a:rPr>
+                                  <m:t>𝜃</m:t>
+                                </m:r>
+                              </m:oMath>
+                            </m:oMathPara>
+                          </a14:m>
+                          <a:endParaRPr lang="es-ES_tradnl" dirty="0"/>
+                        </a:p>
+                      </a:txBody>
+                      <a:tcPr/>
+                    </a:tc>
+                    <a:extLst>
+                      <a:ext uri="{0D108BD9-81ED-4DB2-BD59-A6C34878D82A}">
+                        <a16:rowId xmlns:a16="http://schemas.microsoft.com/office/drawing/2014/main" val="3066057229"/>
+                      </a:ext>
+                    </a:extLst>
+                  </a:tr>
+                  <a:tr h="0">
+                    <a:tc>
+                      <a:txBody>
+                        <a:bodyPr/>
+                        <a:lstStyle/>
+                        <a:p>
+                          <a:pPr marL="0" marR="0" lvl="0" indent="0" algn="ctr" defTabSz="685800" rtl="0" eaLnBrk="1" fontAlgn="auto" latinLnBrk="0" hangingPunct="1">
+                            <a:lnSpc>
+                              <a:spcPct val="100000"/>
+                            </a:lnSpc>
+                            <a:spcBef>
+                              <a:spcPts val="0"/>
+                            </a:spcBef>
+                            <a:spcAft>
+                              <a:spcPts val="0"/>
+                            </a:spcAft>
+                            <a:buClrTx/>
+                            <a:buSzTx/>
+                            <a:buFontTx/>
+                            <a:buNone/>
+                            <a:tabLst/>
+                            <a:defRPr/>
+                          </a:pPr>
+                          <a:r>
+                            <a:rPr lang="es-ES_tradnl" dirty="0"/>
+                            <a:t>Wheel </a:t>
+                          </a:r>
+                          <a:r>
+                            <a:rPr lang="es-ES_tradnl" dirty="0" err="1"/>
+                            <a:t>encoder</a:t>
+                          </a:r>
+                          <a:endParaRPr lang="es-ES_tradnl" dirty="0"/>
+                        </a:p>
+                      </a:txBody>
+                      <a:tcPr/>
+                    </a:tc>
+                    <a:tc>
+                      <a:txBody>
+                        <a:bodyPr/>
+                        <a:lstStyle/>
+                        <a:p>
+                          <a:pPr marL="0" marR="0" lvl="0" indent="0" algn="ctr" defTabSz="685800" rtl="0" eaLnBrk="1" fontAlgn="auto" latinLnBrk="0" hangingPunct="1">
+                            <a:lnSpc>
+                              <a:spcPct val="100000"/>
+                            </a:lnSpc>
+                            <a:spcBef>
+                              <a:spcPts val="0"/>
+                            </a:spcBef>
+                            <a:spcAft>
+                              <a:spcPts val="0"/>
+                            </a:spcAft>
+                            <a:buClrTx/>
+                            <a:buSzTx/>
+                            <a:buFontTx/>
+                            <a:buNone/>
+                            <a:tabLst/>
+                            <a:defRPr/>
+                          </a:pPr>
+                          <a14:m>
+                            <m:oMathPara xmlns:m="http://schemas.openxmlformats.org/officeDocument/2006/math">
+                              <m:oMathParaPr>
+                                <m:jc m:val="centerGroup"/>
+                              </m:oMathParaPr>
+                              <m:oMath xmlns:m="http://schemas.openxmlformats.org/officeDocument/2006/math">
+                                <m:sSub>
+                                  <m:sSubPr>
+                                    <m:ctrlPr>
+                                      <a:rPr lang="es-ES_tradnl" i="1" smtClean="0">
+                                        <a:latin typeface="Cambria Math" panose="02040503050406030204" pitchFamily="18" charset="0"/>
+                                      </a:rPr>
+                                    </m:ctrlPr>
+                                  </m:sSubPr>
+                                  <m:e>
+                                    <m:r>
+                                      <a:rPr lang="nl-NL" b="0" i="1" smtClean="0">
+                                        <a:latin typeface="Cambria Math" panose="02040503050406030204" pitchFamily="18" charset="0"/>
+                                      </a:rPr>
+                                      <m:t>𝑣</m:t>
+                                    </m:r>
+                                  </m:e>
+                                  <m:sub>
+                                    <m:r>
+                                      <a:rPr lang="nl-NL" b="0" i="1" smtClean="0">
+                                        <a:latin typeface="Cambria Math" panose="02040503050406030204" pitchFamily="18" charset="0"/>
+                                      </a:rPr>
+                                      <m:t>𝑥</m:t>
+                                    </m:r>
+                                  </m:sub>
+                                </m:sSub>
+                                <m:r>
+                                  <a:rPr lang="nl-NL" b="0" i="1" smtClean="0">
+                                    <a:latin typeface="Cambria Math" panose="02040503050406030204" pitchFamily="18" charset="0"/>
+                                  </a:rPr>
+                                  <m:t>, </m:t>
+                                </m:r>
+                                <m:sSub>
+                                  <m:sSubPr>
+                                    <m:ctrlPr>
+                                      <a:rPr lang="nl-NL" b="0" i="1" smtClean="0">
+                                        <a:latin typeface="Cambria Math" panose="02040503050406030204" pitchFamily="18" charset="0"/>
+                                      </a:rPr>
+                                    </m:ctrlPr>
+                                  </m:sSubPr>
+                                  <m:e>
+                                    <m:r>
+                                      <a:rPr lang="nl-NL" b="0" i="1" smtClean="0">
+                                        <a:latin typeface="Cambria Math" panose="02040503050406030204" pitchFamily="18" charset="0"/>
+                                      </a:rPr>
+                                      <m:t>𝑣</m:t>
+                                    </m:r>
+                                  </m:e>
+                                  <m:sub>
+                                    <m:r>
+                                      <a:rPr lang="nl-NL" b="0" i="1" smtClean="0">
+                                        <a:latin typeface="Cambria Math" panose="02040503050406030204" pitchFamily="18" charset="0"/>
+                                      </a:rPr>
+                                      <m:t>𝑦</m:t>
+                                    </m:r>
+                                  </m:sub>
+                                </m:sSub>
+                              </m:oMath>
+                            </m:oMathPara>
+                          </a14:m>
+                          <a:endParaRPr lang="es-ES_tradnl" dirty="0"/>
+                        </a:p>
+                      </a:txBody>
+                      <a:tcPr/>
+                    </a:tc>
+                    <a:tc>
+                      <a:txBody>
+                        <a:bodyPr/>
+                        <a:lstStyle/>
+                        <a:p>
+                          <a:pPr marL="0" marR="0" lvl="0" indent="0" algn="ctr" defTabSz="685800" rtl="0" eaLnBrk="1" fontAlgn="auto" latinLnBrk="0" hangingPunct="1">
+                            <a:lnSpc>
+                              <a:spcPct val="100000"/>
+                            </a:lnSpc>
+                            <a:spcBef>
+                              <a:spcPts val="0"/>
+                            </a:spcBef>
+                            <a:spcAft>
+                              <a:spcPts val="0"/>
+                            </a:spcAft>
+                            <a:buClrTx/>
+                            <a:buSzTx/>
+                            <a:buFontTx/>
+                            <a:buNone/>
+                            <a:tabLst/>
+                            <a:defRPr/>
+                          </a:pPr>
+                          <a14:m>
+                            <m:oMathPara xmlns:m="http://schemas.openxmlformats.org/officeDocument/2006/math">
+                              <m:oMathParaPr>
+                                <m:jc m:val="centerGroup"/>
+                              </m:oMathParaPr>
+                              <m:oMath xmlns:m="http://schemas.openxmlformats.org/officeDocument/2006/math">
+                                <m:r>
+                                  <a:rPr lang="es-ES_tradnl" i="1" smtClean="0">
+                                    <a:latin typeface="Cambria Math" panose="02040503050406030204" pitchFamily="18" charset="0"/>
+                                    <a:ea typeface="Cambria Math" panose="02040503050406030204" pitchFamily="18" charset="0"/>
+                                  </a:rPr>
+                                  <m:t>𝜔</m:t>
+                                </m:r>
+                              </m:oMath>
+                            </m:oMathPara>
+                          </a14:m>
+                          <a:endParaRPr lang="es-ES_tradnl" dirty="0"/>
+                        </a:p>
+                      </a:txBody>
+                      <a:tcPr/>
+                    </a:tc>
+                    <a:extLst>
+                      <a:ext uri="{0D108BD9-81ED-4DB2-BD59-A6C34878D82A}">
+                        <a16:rowId xmlns:a16="http://schemas.microsoft.com/office/drawing/2014/main" val="3130680787"/>
+                      </a:ext>
+                    </a:extLst>
+                  </a:tr>
+                </a:tbl>
+              </a:graphicData>
+            </a:graphic>
+          </p:graphicFrame>
+        </mc:Choice>
+        <mc:Fallback xmlns="">
+          <p:graphicFrame>
+            <p:nvGraphicFramePr>
+              <p:cNvPr id="2" name="Tableau 46">
+                <a:extLst>
+                  <a:ext uri="{FF2B5EF4-FFF2-40B4-BE49-F238E27FC236}">
+                    <a16:creationId xmlns:a16="http://schemas.microsoft.com/office/drawing/2014/main" id="{0CF1FFCD-38A0-C474-CD4A-46C5587E4061}"/>
+                  </a:ext>
+                </a:extLst>
+              </p:cNvPr>
+              <p:cNvGraphicFramePr>
+                <a:graphicFrameLocks noGrp="1"/>
+              </p:cNvGraphicFramePr>
+              <p:nvPr>
+                <p:extLst>
+                  <p:ext uri="{D42A27DB-BD31-4B8C-83A1-F6EECF244321}">
+                    <p14:modId xmlns:p14="http://schemas.microsoft.com/office/powerpoint/2010/main" val="2422780006"/>
+                  </p:ext>
+                </p:extLst>
+              </p:nvPr>
+            </p:nvGraphicFramePr>
+            <p:xfrm>
+              <a:off x="2576945" y="4010298"/>
+              <a:ext cx="3857750" cy="907733"/>
+            </p:xfrm>
+            <a:graphic>
+              <a:graphicData uri="http://schemas.openxmlformats.org/drawingml/2006/table">
+                <a:tbl>
+                  <a:tblPr firstRow="1" bandRow="1">
+                    <a:tableStyleId>{5C22544A-7EE6-4342-B048-85BDC9FD1C3A}</a:tableStyleId>
+                  </a:tblPr>
+                  <a:tblGrid>
+                    <a:gridCol w="1363930">
+                      <a:extLst>
+                        <a:ext uri="{9D8B030D-6E8A-4147-A177-3AD203B41FA5}">
+                          <a16:colId xmlns:a16="http://schemas.microsoft.com/office/drawing/2014/main" val="2871345755"/>
+                        </a:ext>
+                      </a:extLst>
+                    </a:gridCol>
+                    <a:gridCol w="997527">
+                      <a:extLst>
+                        <a:ext uri="{9D8B030D-6E8A-4147-A177-3AD203B41FA5}">
+                          <a16:colId xmlns:a16="http://schemas.microsoft.com/office/drawing/2014/main" val="498656244"/>
+                        </a:ext>
+                      </a:extLst>
+                    </a:gridCol>
+                    <a:gridCol w="1496293">
+                      <a:extLst>
+                        <a:ext uri="{9D8B030D-6E8A-4147-A177-3AD203B41FA5}">
+                          <a16:colId xmlns:a16="http://schemas.microsoft.com/office/drawing/2014/main" val="2972384606"/>
+                        </a:ext>
+                      </a:extLst>
+                    </a:gridCol>
+                  </a:tblGrid>
+                  <a:tr h="297180">
+                    <a:tc>
+                      <a:txBody>
+                        <a:bodyPr/>
+                        <a:lstStyle/>
+                        <a:p>
+                          <a:r>
+                            <a:rPr lang="es-ES_tradnl" dirty="0" err="1"/>
+                            <a:t>measurement</a:t>
+                          </a:r>
+                          <a:endParaRPr lang="es-ES_tradnl" dirty="0"/>
+                        </a:p>
+                      </a:txBody>
+                      <a:tcPr/>
+                    </a:tc>
+                    <a:tc>
+                      <a:txBody>
+                        <a:bodyPr/>
+                        <a:lstStyle/>
+                        <a:p>
+                          <a:r>
+                            <a:rPr lang="es-ES_tradnl" dirty="0"/>
+                            <a:t>Pose KF</a:t>
+                          </a:r>
+                        </a:p>
+                      </a:txBody>
+                      <a:tcPr/>
+                    </a:tc>
+                    <a:tc>
+                      <a:txBody>
+                        <a:bodyPr/>
+                        <a:lstStyle/>
+                        <a:p>
+                          <a:r>
+                            <a:rPr lang="es-ES_tradnl" dirty="0" err="1"/>
+                            <a:t>Orientation</a:t>
+                          </a:r>
+                          <a:r>
+                            <a:rPr lang="es-ES_tradnl" dirty="0"/>
+                            <a:t> KF</a:t>
+                          </a:r>
+                        </a:p>
+                      </a:txBody>
+                      <a:tcPr/>
+                    </a:tc>
+                    <a:extLst>
+                      <a:ext uri="{0D108BD9-81ED-4DB2-BD59-A6C34878D82A}">
+                        <a16:rowId xmlns:a16="http://schemas.microsoft.com/office/drawing/2014/main" val="1070570282"/>
+                      </a:ext>
+                    </a:extLst>
+                  </a:tr>
+                  <a:tr h="297180">
+                    <a:tc>
+                      <a:txBody>
+                        <a:bodyPr/>
+                        <a:lstStyle/>
+                        <a:p>
+                          <a:pPr marL="0" marR="0" lvl="0" indent="0" algn="ctr" defTabSz="685800" rtl="0" eaLnBrk="1" fontAlgn="auto" latinLnBrk="0" hangingPunct="1">
+                            <a:lnSpc>
+                              <a:spcPct val="100000"/>
+                            </a:lnSpc>
+                            <a:spcBef>
+                              <a:spcPts val="0"/>
+                            </a:spcBef>
+                            <a:spcAft>
+                              <a:spcPts val="0"/>
+                            </a:spcAft>
+                            <a:buClrTx/>
+                            <a:buSzTx/>
+                            <a:buFontTx/>
+                            <a:buNone/>
+                            <a:tabLst/>
+                            <a:defRPr/>
+                          </a:pPr>
+                          <a:r>
+                            <a:rPr lang="es-ES_tradnl" dirty="0" err="1"/>
+                            <a:t>Vision</a:t>
+                          </a:r>
+                          <a:endParaRPr lang="es-ES_tradnl" dirty="0"/>
+                        </a:p>
+                      </a:txBody>
+                      <a:tcPr/>
+                    </a:tc>
+                    <a:tc>
+                      <a:txBody>
+                        <a:bodyPr/>
+                        <a:lstStyle/>
+                        <a:p>
+                          <a:endParaRPr lang="nl-BE"/>
+                        </a:p>
+                      </a:txBody>
+                      <a:tcPr>
+                        <a:blipFill>
+                          <a:blip r:embed="rId6"/>
+                          <a:stretch>
+                            <a:fillRect l="-137195" t="-102041" r="-152439" b="-120408"/>
+                          </a:stretch>
+                        </a:blipFill>
+                      </a:tcPr>
+                    </a:tc>
+                    <a:tc>
+                      <a:txBody>
+                        <a:bodyPr/>
+                        <a:lstStyle/>
+                        <a:p>
+                          <a:endParaRPr lang="nl-BE"/>
+                        </a:p>
+                      </a:txBody>
+                      <a:tcPr>
+                        <a:blipFill>
+                          <a:blip r:embed="rId6"/>
+                          <a:stretch>
+                            <a:fillRect l="-158130" t="-102041" r="-1626" b="-120408"/>
+                          </a:stretch>
+                        </a:blipFill>
+                      </a:tcPr>
+                    </a:tc>
+                    <a:extLst>
+                      <a:ext uri="{0D108BD9-81ED-4DB2-BD59-A6C34878D82A}">
+                        <a16:rowId xmlns:a16="http://schemas.microsoft.com/office/drawing/2014/main" val="3066057229"/>
+                      </a:ext>
+                    </a:extLst>
+                  </a:tr>
+                  <a:tr h="313373">
+                    <a:tc>
+                      <a:txBody>
+                        <a:bodyPr/>
+                        <a:lstStyle/>
+                        <a:p>
+                          <a:pPr marL="0" marR="0" lvl="0" indent="0" algn="ctr" defTabSz="685800" rtl="0" eaLnBrk="1" fontAlgn="auto" latinLnBrk="0" hangingPunct="1">
+                            <a:lnSpc>
+                              <a:spcPct val="100000"/>
+                            </a:lnSpc>
+                            <a:spcBef>
+                              <a:spcPts val="0"/>
+                            </a:spcBef>
+                            <a:spcAft>
+                              <a:spcPts val="0"/>
+                            </a:spcAft>
+                            <a:buClrTx/>
+                            <a:buSzTx/>
+                            <a:buFontTx/>
+                            <a:buNone/>
+                            <a:tabLst/>
+                            <a:defRPr/>
+                          </a:pPr>
+                          <a:r>
+                            <a:rPr lang="es-ES_tradnl" dirty="0"/>
+                            <a:t>Wheel </a:t>
+                          </a:r>
+                          <a:r>
+                            <a:rPr lang="es-ES_tradnl" dirty="0" err="1"/>
+                            <a:t>encoder</a:t>
+                          </a:r>
+                          <a:endParaRPr lang="es-ES_tradnl" dirty="0"/>
+                        </a:p>
+                      </a:txBody>
+                      <a:tcPr/>
+                    </a:tc>
+                    <a:tc>
+                      <a:txBody>
+                        <a:bodyPr/>
+                        <a:lstStyle/>
+                        <a:p>
+                          <a:endParaRPr lang="nl-BE"/>
+                        </a:p>
+                      </a:txBody>
+                      <a:tcPr>
+                        <a:blipFill>
+                          <a:blip r:embed="rId6"/>
+                          <a:stretch>
+                            <a:fillRect l="-137195" t="-190385" r="-152439" b="-13462"/>
+                          </a:stretch>
+                        </a:blipFill>
+                      </a:tcPr>
+                    </a:tc>
+                    <a:tc>
+                      <a:txBody>
+                        <a:bodyPr/>
+                        <a:lstStyle/>
+                        <a:p>
+                          <a:endParaRPr lang="nl-BE"/>
+                        </a:p>
+                      </a:txBody>
+                      <a:tcPr>
+                        <a:blipFill>
+                          <a:blip r:embed="rId6"/>
+                          <a:stretch>
+                            <a:fillRect l="-158130" t="-190385" r="-1626" b="-13462"/>
+                          </a:stretch>
+                        </a:blipFill>
+                      </a:tcPr>
+                    </a:tc>
+                    <a:extLst>
+                      <a:ext uri="{0D108BD9-81ED-4DB2-BD59-A6C34878D82A}">
+                        <a16:rowId xmlns:a16="http://schemas.microsoft.com/office/drawing/2014/main" val="3130680787"/>
+                      </a:ext>
+                    </a:extLst>
+                  </a:tr>
+                </a:tbl>
+              </a:graphicData>
+            </a:graphic>
+          </p:graphicFrame>
+        </mc:Fallback>
+      </mc:AlternateContent>
+    </p:spTree>
+    <p:extLst>
+      <p:ext uri="{BB962C8B-B14F-4D97-AF65-F5344CB8AC3E}">
+        <p14:creationId xmlns:p14="http://schemas.microsoft.com/office/powerpoint/2010/main" val="806732887"/>
+      </p:ext>
+    </p:extLst>
+  </p:cSld>
+  <p:clrMapOvr>
+    <a:masterClrMapping/>
+  </p:clrMapOvr>
+  <mc:AlternateContent xmlns:mc="http://schemas.openxmlformats.org/markup-compatibility/2006" xmlns:p14="http://schemas.microsoft.com/office/powerpoint/2010/main">
+    <mc:Choice Requires="p14">
+      <p:transition spd="med" p14:dur="700">
+        <p:fade/>
+      </p:transition>
+    </mc:Choice>
+    <mc:Fallback xmlns="">
+      <p:transition spd="med">
+        <p:fade/>
+      </p:transition>
+    </mc:Fallback>
+  </mc:AlternateContent>
+</p:sld>
+</file>
+
+<file path=ppt/slides/slide5.xml><?xml version="1.0" encoding="utf-8"?>
+<p:sld xmlns:a="http://schemas.openxmlformats.org/drawingml/2006/main" xmlns:r="http://schemas.openxmlformats.org/officeDocument/2006/relationships" xmlns:p="http://schemas.openxmlformats.org/presentationml/2006/main">
+  <p:cSld>
+    <p:spTree>
+      <p:nvGrpSpPr>
+        <p:cNvPr id="1" name=""/>
+        <p:cNvGrpSpPr/>
+        <p:nvPr/>
+      </p:nvGrpSpPr>
+      <p:grpSpPr>
+        <a:xfrm>
+          <a:off x="0" y="0"/>
+          <a:ext cx="0" cy="0"/>
+          <a:chOff x="0" y="0"/>
+          <a:chExt cx="0" cy="0"/>
+        </a:xfrm>
+      </p:grpSpPr>
+      <p:sp>
+        <p:nvSpPr>
+          <p:cNvPr id="6" name="Titre 5">
+            <a:extLst>
+              <a:ext uri="{FF2B5EF4-FFF2-40B4-BE49-F238E27FC236}">
+                <a16:creationId xmlns:a16="http://schemas.microsoft.com/office/drawing/2014/main" id="{2DC84974-DE85-7541-9C81-748C62A78518}"/>
+              </a:ext>
+            </a:extLst>
+          </p:cNvPr>
+          <p:cNvSpPr>
+            <a:spLocks noGrp="1"/>
+          </p:cNvSpPr>
+          <p:nvPr>
+            <p:ph type="title"/>
+          </p:nvPr>
+        </p:nvSpPr>
+        <p:spPr>
+          <a:xfrm>
+            <a:off x="904875" y="179553"/>
+            <a:ext cx="3667125" cy="360198"/>
+          </a:xfrm>
+        </p:spPr>
+        <p:txBody>
+          <a:bodyPr>
+            <a:normAutofit fontScale="90000"/>
+          </a:bodyPr>
+          <a:lstStyle/>
+          <a:p>
+            <a:r>
+              <a:rPr lang="fr-FR" dirty="0"/>
+              <a:t>Global navigation</a:t>
+            </a:r>
+          </a:p>
+        </p:txBody>
+      </p:sp>
+      <p:sp>
+        <p:nvSpPr>
+          <p:cNvPr id="3" name="Espace réservé de la date 2">
+            <a:extLst>
+              <a:ext uri="{FF2B5EF4-FFF2-40B4-BE49-F238E27FC236}">
+                <a16:creationId xmlns:a16="http://schemas.microsoft.com/office/drawing/2014/main" id="{4C00E477-6660-6A47-866B-99F473F4A6BB}"/>
+              </a:ext>
+            </a:extLst>
+          </p:cNvPr>
+          <p:cNvSpPr>
+            <a:spLocks noGrp="1"/>
+          </p:cNvSpPr>
+          <p:nvPr>
+            <p:ph type="dt" sz="half" idx="14"/>
+          </p:nvPr>
+        </p:nvSpPr>
+        <p:spPr/>
+        <p:txBody>
+          <a:bodyPr/>
+          <a:lstStyle/>
+          <a:p>
+            <a:r>
+              <a:rPr lang="fr-CH" dirty="0"/>
+              <a:t>THYMIO PRESENTATION</a:t>
+            </a:r>
+            <a:endParaRPr lang="fr-FR" dirty="0"/>
+          </a:p>
+        </p:txBody>
+      </p:sp>
+      <p:sp>
+        <p:nvSpPr>
+          <p:cNvPr id="5" name="Espace réservé du numéro de diapositive 4">
+            <a:extLst>
+              <a:ext uri="{FF2B5EF4-FFF2-40B4-BE49-F238E27FC236}">
+                <a16:creationId xmlns:a16="http://schemas.microsoft.com/office/drawing/2014/main" id="{8F0AFC3F-4C48-9E43-9766-08DBFD87475F}"/>
+              </a:ext>
+            </a:extLst>
+          </p:cNvPr>
+          <p:cNvSpPr>
+            <a:spLocks noGrp="1"/>
+          </p:cNvSpPr>
+          <p:nvPr>
+            <p:ph type="sldNum" sz="quarter" idx="16"/>
+          </p:nvPr>
+        </p:nvSpPr>
+        <p:spPr/>
+        <p:txBody>
+          <a:bodyPr/>
+          <a:lstStyle/>
+          <a:p>
+            <a:fld id="{E1E1CD7C-2161-7D43-862E-CE4C333CD873}" type="slidenum">
+              <a:rPr lang="fr-FR" smtClean="0"/>
+              <a:pPr/>
+              <a:t>5</a:t>
             </a:fld>
             <a:endParaRPr lang="fr-FR" dirty="0"/>
           </a:p>
@@ -11354,7 +13766,7 @@
 </p:sld>
 </file>
 
-<file path=ppt/slides/slide5.xml><?xml version="1.0" encoding="utf-8"?>
+<file path=ppt/slides/slide6.xml><?xml version="1.0" encoding="utf-8"?>
 <p:sld xmlns:a="http://schemas.openxmlformats.org/drawingml/2006/main" xmlns:r="http://schemas.openxmlformats.org/officeDocument/2006/relationships" xmlns:p="http://schemas.openxmlformats.org/presentationml/2006/main">
   <p:cSld>
     <p:spTree>
@@ -11459,7 +13871,7 @@
             <a:fld id="{E1E1CD7C-2161-7D43-862E-CE4C333CD873}" type="slidenum">
               <a:rPr lang="fr-FR" smtClean="0"/>
               <a:pPr/>
-              <a:t>5</a:t>
+              <a:t>6</a:t>
             </a:fld>
             <a:endParaRPr lang="fr-FR" dirty="0"/>
           </a:p>
@@ -14355,7 +16767,7 @@
 </p:sld>
 </file>
 
-<file path=ppt/slides/slide6.xml><?xml version="1.0" encoding="utf-8"?>
+<file path=ppt/slides/slide7.xml><?xml version="1.0" encoding="utf-8"?>
 <p:sld xmlns:a="http://schemas.openxmlformats.org/drawingml/2006/main" xmlns:r="http://schemas.openxmlformats.org/officeDocument/2006/relationships" xmlns:p="http://schemas.openxmlformats.org/presentationml/2006/main">
   <p:cSld>
     <p:spTree>
@@ -14460,7 +16872,7 @@
             <a:fld id="{E1E1CD7C-2161-7D43-862E-CE4C333CD873}" type="slidenum">
               <a:rPr lang="fr-FR" smtClean="0"/>
               <a:pPr/>
-              <a:t>6</a:t>
+              <a:t>7</a:t>
             </a:fld>
             <a:endParaRPr lang="fr-FR" dirty="0"/>
           </a:p>
@@ -14556,7 +16968,7 @@
 </p:sld>
 </file>
 
-<file path=ppt/slides/slide7.xml><?xml version="1.0" encoding="utf-8"?>
+<file path=ppt/slides/slide8.xml><?xml version="1.0" encoding="utf-8"?>
 <p:sld xmlns:a="http://schemas.openxmlformats.org/drawingml/2006/main" xmlns:r="http://schemas.openxmlformats.org/officeDocument/2006/relationships" xmlns:p="http://schemas.openxmlformats.org/presentationml/2006/main">
   <p:cSld>
     <p:spTree>
@@ -14661,7 +17073,7 @@
             <a:fld id="{E1E1CD7C-2161-7D43-862E-CE4C333CD873}" type="slidenum">
               <a:rPr lang="fr-FR" smtClean="0"/>
               <a:pPr/>
-              <a:t>7</a:t>
+              <a:t>8</a:t>
             </a:fld>
             <a:endParaRPr lang="fr-FR" dirty="0"/>
           </a:p>
